--- a/doc/assets/ppt/第 5 部分 系统运维.pptx
+++ b/doc/assets/ppt/第 5 部分 系统运维.pptx
@@ -5,7 +5,7 @@
     <p:sldMasterId id="2147483648" r:id="rId1"/>
   </p:sldMasterIdLst>
   <p:notesMasterIdLst>
-    <p:notesMasterId r:id="rId8"/>
+    <p:notesMasterId r:id="rId9"/>
   </p:notesMasterIdLst>
   <p:sldIdLst>
     <p:sldId id="337" r:id="rId2"/>
@@ -14,6 +14,7 @@
     <p:sldId id="340" r:id="rId5"/>
     <p:sldId id="341" r:id="rId6"/>
     <p:sldId id="342" r:id="rId7"/>
+    <p:sldId id="343" r:id="rId8"/>
   </p:sldIdLst>
   <p:sldSz cx="5040313" cy="3600450"/>
   <p:notesSz cx="6858000" cy="9144000"/>
@@ -141,6 +142,11 @@
             <p14:sldId id="342"/>
           </p14:sldIdLst>
         </p14:section>
+        <p14:section name="第06节：部署环境 nacos" id="{A4E8466D-A5CB-034D-A40D-394E38D15116}">
+          <p14:sldIdLst>
+            <p14:sldId id="343"/>
+          </p14:sldIdLst>
+        </p14:section>
       </p14:sectionLst>
     </p:ext>
     <p:ext uri="{EFAFB233-063F-42B5-8137-9DF3F51BA10A}">
@@ -244,7 +250,7 @@
           <a:p>
             <a:fld id="{E47FC481-15AF-45CA-8376-B9BCE636A15E}" type="datetimeFigureOut">
               <a:rPr lang="zh-CN" altLang="en-US" smtClean="0"/>
-              <a:t>2021/12/5</a:t>
+              <a:t>2021/12/19</a:t>
             </a:fld>
             <a:endParaRPr lang="zh-CN" altLang="en-US"/>
           </a:p>
@@ -654,7 +660,7 @@
           <a:p>
             <a:fld id="{DCD554A7-7CC4-40A9-A60E-4E72AAE3CDC5}" type="datetimeFigureOut">
               <a:rPr lang="zh-CN" altLang="en-US" smtClean="0"/>
-              <a:t>2021/12/5</a:t>
+              <a:t>2021/12/19</a:t>
             </a:fld>
             <a:endParaRPr lang="zh-CN" altLang="en-US"/>
           </a:p>
@@ -862,7 +868,7 @@
           <a:p>
             <a:fld id="{DCD554A7-7CC4-40A9-A60E-4E72AAE3CDC5}" type="datetimeFigureOut">
               <a:rPr lang="zh-CN" altLang="en-US" smtClean="0"/>
-              <a:t>2021/12/5</a:t>
+              <a:t>2021/12/19</a:t>
             </a:fld>
             <a:endParaRPr lang="zh-CN" altLang="en-US"/>
           </a:p>
@@ -1070,7 +1076,7 @@
           <a:p>
             <a:fld id="{DCD554A7-7CC4-40A9-A60E-4E72AAE3CDC5}" type="datetimeFigureOut">
               <a:rPr lang="zh-CN" altLang="en-US" smtClean="0"/>
-              <a:t>2021/12/5</a:t>
+              <a:t>2021/12/19</a:t>
             </a:fld>
             <a:endParaRPr lang="zh-CN" altLang="en-US"/>
           </a:p>
@@ -1278,7 +1284,7 @@
           <a:p>
             <a:fld id="{DCD554A7-7CC4-40A9-A60E-4E72AAE3CDC5}" type="datetimeFigureOut">
               <a:rPr lang="zh-CN" altLang="en-US" smtClean="0"/>
-              <a:t>2021/12/5</a:t>
+              <a:t>2021/12/19</a:t>
             </a:fld>
             <a:endParaRPr lang="zh-CN" altLang="en-US"/>
           </a:p>
@@ -1553,7 +1559,7 @@
           <a:p>
             <a:fld id="{DCD554A7-7CC4-40A9-A60E-4E72AAE3CDC5}" type="datetimeFigureOut">
               <a:rPr lang="zh-CN" altLang="en-US" smtClean="0"/>
-              <a:t>2021/12/5</a:t>
+              <a:t>2021/12/19</a:t>
             </a:fld>
             <a:endParaRPr lang="zh-CN" altLang="en-US"/>
           </a:p>
@@ -1820,7 +1826,7 @@
           <a:p>
             <a:fld id="{DCD554A7-7CC4-40A9-A60E-4E72AAE3CDC5}" type="datetimeFigureOut">
               <a:rPr lang="zh-CN" altLang="en-US" smtClean="0"/>
-              <a:t>2021/12/5</a:t>
+              <a:t>2021/12/19</a:t>
             </a:fld>
             <a:endParaRPr lang="zh-CN" altLang="en-US"/>
           </a:p>
@@ -2223,7 +2229,7 @@
           <a:p>
             <a:fld id="{DCD554A7-7CC4-40A9-A60E-4E72AAE3CDC5}" type="datetimeFigureOut">
               <a:rPr lang="zh-CN" altLang="en-US" smtClean="0"/>
-              <a:t>2021/12/5</a:t>
+              <a:t>2021/12/19</a:t>
             </a:fld>
             <a:endParaRPr lang="zh-CN" altLang="en-US"/>
           </a:p>
@@ -2372,7 +2378,7 @@
           <a:p>
             <a:fld id="{DCD554A7-7CC4-40A9-A60E-4E72AAE3CDC5}" type="datetimeFigureOut">
               <a:rPr lang="zh-CN" altLang="en-US" smtClean="0"/>
-              <a:t>2021/12/5</a:t>
+              <a:t>2021/12/19</a:t>
             </a:fld>
             <a:endParaRPr lang="zh-CN" altLang="en-US"/>
           </a:p>
@@ -2491,7 +2497,7 @@
           <a:p>
             <a:fld id="{DCD554A7-7CC4-40A9-A60E-4E72AAE3CDC5}" type="datetimeFigureOut">
               <a:rPr lang="zh-CN" altLang="en-US" smtClean="0"/>
-              <a:t>2021/12/5</a:t>
+              <a:t>2021/12/19</a:t>
             </a:fld>
             <a:endParaRPr lang="zh-CN" altLang="en-US"/>
           </a:p>
@@ -2799,7 +2805,7 @@
           <a:p>
             <a:fld id="{DCD554A7-7CC4-40A9-A60E-4E72AAE3CDC5}" type="datetimeFigureOut">
               <a:rPr lang="zh-CN" altLang="en-US" smtClean="0"/>
-              <a:t>2021/12/5</a:t>
+              <a:t>2021/12/19</a:t>
             </a:fld>
             <a:endParaRPr lang="zh-CN" altLang="en-US"/>
           </a:p>
@@ -3084,7 +3090,7 @@
           <a:p>
             <a:fld id="{DCD554A7-7CC4-40A9-A60E-4E72AAE3CDC5}" type="datetimeFigureOut">
               <a:rPr lang="zh-CN" altLang="en-US" smtClean="0"/>
-              <a:t>2021/12/5</a:t>
+              <a:t>2021/12/19</a:t>
             </a:fld>
             <a:endParaRPr lang="zh-CN" altLang="en-US"/>
           </a:p>
@@ -10672,6 +10678,565 @@
     <p:extLst>
       <p:ext uri="{BB962C8B-B14F-4D97-AF65-F5344CB8AC3E}">
         <p14:creationId xmlns:p14="http://schemas.microsoft.com/office/powerpoint/2010/main" val="2805301814"/>
+      </p:ext>
+    </p:extLst>
+  </p:cSld>
+  <p:clrMapOvr>
+    <a:masterClrMapping/>
+  </p:clrMapOvr>
+</p:sld>
+</file>
+
+<file path=ppt/slides/slide7.xml><?xml version="1.0" encoding="utf-8"?>
+<p:sld xmlns:a="http://schemas.openxmlformats.org/drawingml/2006/main" xmlns:r="http://schemas.openxmlformats.org/officeDocument/2006/relationships" xmlns:p="http://schemas.openxmlformats.org/presentationml/2006/main">
+  <p:cSld>
+    <p:spTree>
+      <p:nvGrpSpPr>
+        <p:cNvPr id="1" name=""/>
+        <p:cNvGrpSpPr/>
+        <p:nvPr/>
+      </p:nvGrpSpPr>
+      <p:grpSpPr>
+        <a:xfrm>
+          <a:off x="0" y="0"/>
+          <a:ext cx="0" cy="0"/>
+          <a:chOff x="0" y="0"/>
+          <a:chExt cx="0" cy="0"/>
+        </a:xfrm>
+      </p:grpSpPr>
+      <p:sp>
+        <p:nvSpPr>
+          <p:cNvPr id="3" name="矩形 2">
+            <a:extLst>
+              <a:ext uri="{FF2B5EF4-FFF2-40B4-BE49-F238E27FC236}">
+                <a16:creationId xmlns:a16="http://schemas.microsoft.com/office/drawing/2014/main" id="{01E47C42-3A0F-AE4F-9D52-DD7C0E71E04A}"/>
+              </a:ext>
+            </a:extLst>
+          </p:cNvPr>
+          <p:cNvSpPr/>
+          <p:nvPr/>
+        </p:nvSpPr>
+        <p:spPr>
+          <a:xfrm>
+            <a:off x="1" y="1297555"/>
+            <a:ext cx="5040312" cy="369332"/>
+          </a:xfrm>
+          <a:prstGeom prst="rect">
+            <a:avLst/>
+          </a:prstGeom>
+        </p:spPr>
+        <p:txBody>
+          <a:bodyPr wrap="square">
+            <a:spAutoFit/>
+          </a:bodyPr>
+          <a:lstStyle/>
+          <a:p>
+            <a:pPr algn="ctr"/>
+            <a:r>
+              <a:rPr lang="zh-CN" altLang="en-US" sz="1800" dirty="0"/>
+              <a:t>第</a:t>
+            </a:r>
+            <a:r>
+              <a:rPr lang="en-US" altLang="zh-CN" sz="1800" dirty="0"/>
+              <a:t>06</a:t>
+            </a:r>
+            <a:r>
+              <a:rPr lang="zh-CN" altLang="en-US" sz="1800" dirty="0"/>
+              <a:t>节：部署环境 </a:t>
+            </a:r>
+            <a:r>
+              <a:rPr lang="en" altLang="zh-CN" sz="1800" dirty="0" err="1"/>
+              <a:t>nacos</a:t>
+            </a:r>
+            <a:endParaRPr lang="zh-CN" altLang="en-US" sz="1800" dirty="0"/>
+          </a:p>
+        </p:txBody>
+      </p:sp>
+      <p:sp>
+        <p:nvSpPr>
+          <p:cNvPr id="11" name="矩形 10">
+            <a:extLst>
+              <a:ext uri="{FF2B5EF4-FFF2-40B4-BE49-F238E27FC236}">
+                <a16:creationId xmlns:a16="http://schemas.microsoft.com/office/drawing/2014/main" id="{3BFD82CE-F64F-3D4E-A4C8-923660A6B63B}"/>
+              </a:ext>
+            </a:extLst>
+          </p:cNvPr>
+          <p:cNvSpPr/>
+          <p:nvPr/>
+        </p:nvSpPr>
+        <p:spPr>
+          <a:xfrm>
+            <a:off x="1" y="56943"/>
+            <a:ext cx="2815193" cy="338554"/>
+          </a:xfrm>
+          <a:prstGeom prst="rect">
+            <a:avLst/>
+          </a:prstGeom>
+          <a:noFill/>
+        </p:spPr>
+        <p:txBody>
+          <a:bodyPr wrap="none" lIns="91440" tIns="45720" rIns="91440" bIns="45720">
+            <a:spAutoFit/>
+          </a:bodyPr>
+          <a:lstStyle/>
+          <a:p>
+            <a:pPr algn="ctr"/>
+            <a:r>
+              <a:rPr lang="zh-CN" altLang="en-US" sz="1600" b="1" cap="none" spc="0" dirty="0">
+                <a:ln w="12700">
+                  <a:solidFill>
+                    <a:schemeClr val="accent5"/>
+                  </a:solidFill>
+                  <a:prstDash val="solid"/>
+                </a:ln>
+                <a:pattFill prst="ltDnDiag">
+                  <a:fgClr>
+                    <a:schemeClr val="accent5">
+                      <a:lumMod val="60000"/>
+                      <a:lumOff val="40000"/>
+                    </a:schemeClr>
+                  </a:fgClr>
+                  <a:bgClr>
+                    <a:schemeClr val="bg1"/>
+                  </a:bgClr>
+                </a:pattFill>
+                <a:effectLst/>
+              </a:rPr>
+              <a:t>抽奖系统 </a:t>
+            </a:r>
+            <a:r>
+              <a:rPr lang="en-US" altLang="zh-CN" sz="1600" b="1" cap="none" spc="0" dirty="0">
+                <a:ln w="12700">
+                  <a:solidFill>
+                    <a:schemeClr val="accent5"/>
+                  </a:solidFill>
+                  <a:prstDash val="solid"/>
+                </a:ln>
+                <a:pattFill prst="ltDnDiag">
+                  <a:fgClr>
+                    <a:schemeClr val="accent5">
+                      <a:lumMod val="60000"/>
+                      <a:lumOff val="40000"/>
+                    </a:schemeClr>
+                  </a:fgClr>
+                  <a:bgClr>
+                    <a:schemeClr val="bg1"/>
+                  </a:bgClr>
+                </a:pattFill>
+                <a:effectLst/>
+              </a:rPr>
+              <a:t>·</a:t>
+            </a:r>
+            <a:r>
+              <a:rPr lang="zh-CN" altLang="en-US" sz="1600" b="1" cap="none" spc="0" dirty="0">
+                <a:ln w="12700">
+                  <a:solidFill>
+                    <a:schemeClr val="accent5"/>
+                  </a:solidFill>
+                  <a:prstDash val="solid"/>
+                </a:ln>
+                <a:pattFill prst="ltDnDiag">
+                  <a:fgClr>
+                    <a:schemeClr val="accent5">
+                      <a:lumMod val="60000"/>
+                      <a:lumOff val="40000"/>
+                    </a:schemeClr>
+                  </a:fgClr>
+                  <a:bgClr>
+                    <a:schemeClr val="bg1"/>
+                  </a:bgClr>
+                </a:pattFill>
+                <a:effectLst/>
+              </a:rPr>
+              <a:t> 第</a:t>
+            </a:r>
+            <a:r>
+              <a:rPr lang="en-US" altLang="zh-CN" sz="1600" b="1" cap="none" spc="0" dirty="0">
+                <a:ln w="12700">
+                  <a:solidFill>
+                    <a:schemeClr val="accent5"/>
+                  </a:solidFill>
+                  <a:prstDash val="solid"/>
+                </a:ln>
+                <a:pattFill prst="ltDnDiag">
+                  <a:fgClr>
+                    <a:schemeClr val="accent5">
+                      <a:lumMod val="60000"/>
+                      <a:lumOff val="40000"/>
+                    </a:schemeClr>
+                  </a:fgClr>
+                  <a:bgClr>
+                    <a:schemeClr val="bg1"/>
+                  </a:bgClr>
+                </a:pattFill>
+                <a:effectLst/>
+              </a:rPr>
+              <a:t>5</a:t>
+            </a:r>
+            <a:r>
+              <a:rPr lang="zh-CN" altLang="en-US" sz="1600" b="1" cap="none" spc="0" dirty="0">
+                <a:ln w="12700">
+                  <a:solidFill>
+                    <a:schemeClr val="accent5"/>
+                  </a:solidFill>
+                  <a:prstDash val="solid"/>
+                </a:ln>
+                <a:pattFill prst="ltDnDiag">
+                  <a:fgClr>
+                    <a:schemeClr val="accent5">
+                      <a:lumMod val="60000"/>
+                      <a:lumOff val="40000"/>
+                    </a:schemeClr>
+                  </a:fgClr>
+                  <a:bgClr>
+                    <a:schemeClr val="bg1"/>
+                  </a:bgClr>
+                </a:pattFill>
+                <a:effectLst/>
+              </a:rPr>
+              <a:t>部分 系统运维</a:t>
+            </a:r>
+          </a:p>
+        </p:txBody>
+      </p:sp>
+      <p:sp>
+        <p:nvSpPr>
+          <p:cNvPr id="2" name="矩形 1">
+            <a:extLst>
+              <a:ext uri="{FF2B5EF4-FFF2-40B4-BE49-F238E27FC236}">
+                <a16:creationId xmlns:a16="http://schemas.microsoft.com/office/drawing/2014/main" id="{9DBC7427-2BE1-C246-A1BD-FCD4832FA2DE}"/>
+              </a:ext>
+            </a:extLst>
+          </p:cNvPr>
+          <p:cNvSpPr/>
+          <p:nvPr/>
+        </p:nvSpPr>
+        <p:spPr>
+          <a:xfrm>
+            <a:off x="160071" y="2015669"/>
+            <a:ext cx="4720168" cy="600164"/>
+          </a:xfrm>
+          <a:prstGeom prst="rect">
+            <a:avLst/>
+          </a:prstGeom>
+        </p:spPr>
+        <p:txBody>
+          <a:bodyPr wrap="square">
+            <a:spAutoFit/>
+          </a:bodyPr>
+          <a:lstStyle/>
+          <a:p>
+            <a:pPr marL="171450" indent="-171450">
+              <a:buFont typeface="Arial" panose="020B0604020202020204" pitchFamily="34" charset="0"/>
+              <a:buChar char="•"/>
+            </a:pPr>
+            <a:r>
+              <a:rPr lang="zh-CN" altLang="en-US" sz="800" dirty="0">
+                <a:solidFill>
+                  <a:schemeClr val="tx1">
+                    <a:lumMod val="75000"/>
+                    <a:lumOff val="25000"/>
+                  </a:schemeClr>
+                </a:solidFill>
+                <a:latin typeface="Microsoft YaHei" panose="020B0503020204020204" pitchFamily="34" charset="-122"/>
+                <a:ea typeface="Microsoft YaHei" panose="020B0503020204020204" pitchFamily="34" charset="-122"/>
+              </a:rPr>
+              <a:t>在 </a:t>
+            </a:r>
+            <a:r>
+              <a:rPr lang="en" altLang="zh-CN" sz="800" dirty="0">
+                <a:solidFill>
+                  <a:schemeClr val="tx1">
+                    <a:lumMod val="75000"/>
+                    <a:lumOff val="25000"/>
+                  </a:schemeClr>
+                </a:solidFill>
+                <a:latin typeface="Microsoft YaHei" panose="020B0503020204020204" pitchFamily="34" charset="-122"/>
+                <a:ea typeface="Microsoft YaHei" panose="020B0503020204020204" pitchFamily="34" charset="-122"/>
+              </a:rPr>
+              <a:t>Docker </a:t>
+            </a:r>
+            <a:r>
+              <a:rPr lang="zh-CN" altLang="en-US" sz="800" dirty="0">
+                <a:solidFill>
+                  <a:schemeClr val="tx1">
+                    <a:lumMod val="75000"/>
+                    <a:lumOff val="25000"/>
+                  </a:schemeClr>
+                </a:solidFill>
+                <a:latin typeface="Microsoft YaHei" panose="020B0503020204020204" pitchFamily="34" charset="-122"/>
+                <a:ea typeface="Microsoft YaHei" panose="020B0503020204020204" pitchFamily="34" charset="-122"/>
+              </a:rPr>
+              <a:t>环境安装 </a:t>
+            </a:r>
+            <a:r>
+              <a:rPr lang="en" altLang="zh-CN" sz="800" dirty="0" err="1">
+                <a:solidFill>
+                  <a:schemeClr val="tx1">
+                    <a:lumMod val="75000"/>
+                    <a:lumOff val="25000"/>
+                  </a:schemeClr>
+                </a:solidFill>
+                <a:latin typeface="Microsoft YaHei" panose="020B0503020204020204" pitchFamily="34" charset="-122"/>
+                <a:ea typeface="Microsoft YaHei" panose="020B0503020204020204" pitchFamily="34" charset="-122"/>
+              </a:rPr>
+              <a:t>Nacos</a:t>
+            </a:r>
+            <a:r>
+              <a:rPr lang="en" altLang="zh-CN" sz="800" dirty="0">
+                <a:solidFill>
+                  <a:schemeClr val="tx1">
+                    <a:lumMod val="75000"/>
+                    <a:lumOff val="25000"/>
+                  </a:schemeClr>
+                </a:solidFill>
+                <a:latin typeface="Microsoft YaHei" panose="020B0503020204020204" pitchFamily="34" charset="-122"/>
+                <a:ea typeface="Microsoft YaHei" panose="020B0503020204020204" pitchFamily="34" charset="-122"/>
+              </a:rPr>
+              <a:t> 2.0.3</a:t>
+            </a:r>
+          </a:p>
+          <a:p>
+            <a:pPr marL="171450" indent="-171450">
+              <a:buFont typeface="Arial" panose="020B0604020202020204" pitchFamily="34" charset="0"/>
+              <a:buChar char="•"/>
+            </a:pPr>
+            <a:endParaRPr lang="en" altLang="zh-CN" sz="800" dirty="0">
+              <a:solidFill>
+                <a:schemeClr val="tx1">
+                  <a:lumMod val="75000"/>
+                  <a:lumOff val="25000"/>
+                </a:schemeClr>
+              </a:solidFill>
+              <a:latin typeface="Microsoft YaHei" panose="020B0503020204020204" pitchFamily="34" charset="-122"/>
+              <a:ea typeface="Microsoft YaHei" panose="020B0503020204020204" pitchFamily="34" charset="-122"/>
+            </a:endParaRPr>
+          </a:p>
+          <a:p>
+            <a:pPr marL="171450" indent="-171450">
+              <a:buFont typeface="Arial" panose="020B0604020202020204" pitchFamily="34" charset="0"/>
+              <a:buChar char="•"/>
+            </a:pPr>
+            <a:r>
+              <a:rPr lang="zh-CN" altLang="en-US" sz="800" dirty="0">
+                <a:solidFill>
+                  <a:schemeClr val="tx1">
+                    <a:lumMod val="75000"/>
+                    <a:lumOff val="25000"/>
+                  </a:schemeClr>
+                </a:solidFill>
+                <a:latin typeface="Microsoft YaHei" panose="020B0503020204020204" pitchFamily="34" charset="-122"/>
+                <a:ea typeface="Microsoft YaHei" panose="020B0503020204020204" pitchFamily="34" charset="-122"/>
+              </a:rPr>
+              <a:t>配置本地应用服务</a:t>
+            </a:r>
+            <a:r>
+              <a:rPr lang="en-US" altLang="zh-CN" sz="800" dirty="0">
+                <a:solidFill>
+                  <a:schemeClr val="tx1">
+                    <a:lumMod val="75000"/>
+                    <a:lumOff val="25000"/>
+                  </a:schemeClr>
+                </a:solidFill>
+                <a:latin typeface="Microsoft YaHei" panose="020B0503020204020204" pitchFamily="34" charset="-122"/>
+                <a:ea typeface="Microsoft YaHei" panose="020B0503020204020204" pitchFamily="34" charset="-122"/>
+              </a:rPr>
+              <a:t>(</a:t>
+            </a:r>
+            <a:r>
+              <a:rPr lang="en" altLang="zh-CN" sz="800" dirty="0">
+                <a:solidFill>
+                  <a:schemeClr val="tx1">
+                    <a:lumMod val="75000"/>
+                    <a:lumOff val="25000"/>
+                  </a:schemeClr>
+                </a:solidFill>
+                <a:latin typeface="Microsoft YaHei" panose="020B0503020204020204" pitchFamily="34" charset="-122"/>
+                <a:ea typeface="Microsoft YaHei" panose="020B0503020204020204" pitchFamily="34" charset="-122"/>
+              </a:rPr>
+              <a:t>Lottery</a:t>
+            </a:r>
+            <a:r>
+              <a:rPr lang="zh-CN" altLang="en" sz="800" dirty="0">
+                <a:solidFill>
+                  <a:schemeClr val="tx1">
+                    <a:lumMod val="75000"/>
+                    <a:lumOff val="25000"/>
+                  </a:schemeClr>
+                </a:solidFill>
+                <a:latin typeface="Microsoft YaHei" panose="020B0503020204020204" pitchFamily="34" charset="-122"/>
+                <a:ea typeface="Microsoft YaHei" panose="020B0503020204020204" pitchFamily="34" charset="-122"/>
+              </a:rPr>
+              <a:t>、</a:t>
+            </a:r>
+            <a:r>
+              <a:rPr lang="en" altLang="zh-CN" sz="800" dirty="0">
+                <a:solidFill>
+                  <a:schemeClr val="tx1">
+                    <a:lumMod val="75000"/>
+                    <a:lumOff val="25000"/>
+                  </a:schemeClr>
+                </a:solidFill>
+                <a:latin typeface="Microsoft YaHei" panose="020B0503020204020204" pitchFamily="34" charset="-122"/>
+                <a:ea typeface="Microsoft YaHei" panose="020B0503020204020204" pitchFamily="34" charset="-122"/>
+              </a:rPr>
+              <a:t>Lottery-ERP)</a:t>
+            </a:r>
+            <a:r>
+              <a:rPr lang="zh-CN" altLang="en" sz="800" dirty="0">
+                <a:solidFill>
+                  <a:schemeClr val="tx1">
+                    <a:lumMod val="75000"/>
+                    <a:lumOff val="25000"/>
+                  </a:schemeClr>
+                </a:solidFill>
+                <a:latin typeface="Microsoft YaHei" panose="020B0503020204020204" pitchFamily="34" charset="-122"/>
+                <a:ea typeface="Microsoft YaHei" panose="020B0503020204020204" pitchFamily="34" charset="-122"/>
+              </a:rPr>
+              <a:t>，</a:t>
+            </a:r>
+            <a:r>
+              <a:rPr lang="zh-CN" altLang="en-US" sz="800" dirty="0">
+                <a:solidFill>
+                  <a:schemeClr val="tx1">
+                    <a:lumMod val="75000"/>
+                    <a:lumOff val="25000"/>
+                  </a:schemeClr>
+                </a:solidFill>
+                <a:latin typeface="Microsoft YaHei" panose="020B0503020204020204" pitchFamily="34" charset="-122"/>
+                <a:ea typeface="Microsoft YaHei" panose="020B0503020204020204" pitchFamily="34" charset="-122"/>
+              </a:rPr>
+              <a:t>把 </a:t>
+            </a:r>
+            <a:r>
+              <a:rPr lang="en" altLang="zh-CN" sz="800" dirty="0">
+                <a:solidFill>
+                  <a:schemeClr val="tx1">
+                    <a:lumMod val="75000"/>
+                    <a:lumOff val="25000"/>
+                  </a:schemeClr>
+                </a:solidFill>
+                <a:latin typeface="Microsoft YaHei" panose="020B0503020204020204" pitchFamily="34" charset="-122"/>
+                <a:ea typeface="Microsoft YaHei" panose="020B0503020204020204" pitchFamily="34" charset="-122"/>
+              </a:rPr>
+              <a:t>Dubbo </a:t>
+            </a:r>
+            <a:r>
+              <a:rPr lang="zh-CN" altLang="en-US" sz="800" dirty="0">
+                <a:solidFill>
+                  <a:schemeClr val="tx1">
+                    <a:lumMod val="75000"/>
+                    <a:lumOff val="25000"/>
+                  </a:schemeClr>
+                </a:solidFill>
+                <a:latin typeface="Microsoft YaHei" panose="020B0503020204020204" pitchFamily="34" charset="-122"/>
+                <a:ea typeface="Microsoft YaHei" panose="020B0503020204020204" pitchFamily="34" charset="-122"/>
+              </a:rPr>
+              <a:t>注册到 </a:t>
+            </a:r>
+            <a:r>
+              <a:rPr lang="en" altLang="zh-CN" sz="800" dirty="0" err="1">
+                <a:solidFill>
+                  <a:schemeClr val="tx1">
+                    <a:lumMod val="75000"/>
+                    <a:lumOff val="25000"/>
+                  </a:schemeClr>
+                </a:solidFill>
+                <a:latin typeface="Microsoft YaHei" panose="020B0503020204020204" pitchFamily="34" charset="-122"/>
+                <a:ea typeface="Microsoft YaHei" panose="020B0503020204020204" pitchFamily="34" charset="-122"/>
+              </a:rPr>
+              <a:t>Nacos</a:t>
+            </a:r>
+            <a:r>
+              <a:rPr lang="zh-CN" altLang="en" sz="800" dirty="0">
+                <a:solidFill>
+                  <a:schemeClr val="tx1">
+                    <a:lumMod val="75000"/>
+                    <a:lumOff val="25000"/>
+                  </a:schemeClr>
+                </a:solidFill>
+                <a:latin typeface="Microsoft YaHei" panose="020B0503020204020204" pitchFamily="34" charset="-122"/>
+                <a:ea typeface="Microsoft YaHei" panose="020B0503020204020204" pitchFamily="34" charset="-122"/>
+              </a:rPr>
+              <a:t>，</a:t>
+            </a:r>
+            <a:r>
+              <a:rPr lang="zh-CN" altLang="en-US" sz="800" dirty="0">
+                <a:solidFill>
+                  <a:schemeClr val="tx1">
+                    <a:lumMod val="75000"/>
+                    <a:lumOff val="25000"/>
+                  </a:schemeClr>
+                </a:solidFill>
+                <a:latin typeface="Microsoft YaHei" panose="020B0503020204020204" pitchFamily="34" charset="-122"/>
+                <a:ea typeface="Microsoft YaHei" panose="020B0503020204020204" pitchFamily="34" charset="-122"/>
+              </a:rPr>
+              <a:t>启动服务验证注册和使用</a:t>
+            </a:r>
+            <a:br>
+              <a:rPr lang="zh-CN" altLang="en-US" sz="800" dirty="0">
+                <a:solidFill>
+                  <a:schemeClr val="tx1">
+                    <a:lumMod val="75000"/>
+                    <a:lumOff val="25000"/>
+                  </a:schemeClr>
+                </a:solidFill>
+                <a:latin typeface="Microsoft YaHei" panose="020B0503020204020204" pitchFamily="34" charset="-122"/>
+                <a:ea typeface="Microsoft YaHei" panose="020B0503020204020204" pitchFamily="34" charset="-122"/>
+              </a:rPr>
+            </a:br>
+            <a:endParaRPr lang="zh-CN" altLang="en-US" sz="800" dirty="0">
+              <a:solidFill>
+                <a:schemeClr val="tx1">
+                  <a:lumMod val="75000"/>
+                  <a:lumOff val="25000"/>
+                </a:schemeClr>
+              </a:solidFill>
+              <a:latin typeface="Microsoft YaHei" panose="020B0503020204020204" pitchFamily="34" charset="-122"/>
+              <a:ea typeface="Microsoft YaHei" panose="020B0503020204020204" pitchFamily="34" charset="-122"/>
+            </a:endParaRPr>
+          </a:p>
+        </p:txBody>
+      </p:sp>
+      <p:pic>
+        <p:nvPicPr>
+          <p:cNvPr id="7" name="图片 6">
+            <a:extLst>
+              <a:ext uri="{FF2B5EF4-FFF2-40B4-BE49-F238E27FC236}">
+                <a16:creationId xmlns:a16="http://schemas.microsoft.com/office/drawing/2014/main" id="{D246B188-6766-F241-A4A9-B4C529E2D0A0}"/>
+              </a:ext>
+            </a:extLst>
+          </p:cNvPr>
+          <p:cNvPicPr>
+            <a:picLocks noChangeAspect="1"/>
+          </p:cNvPicPr>
+          <p:nvPr/>
+        </p:nvPicPr>
+        <p:blipFill>
+          <a:blip r:embed="rId2">
+            <a:extLst>
+              <a:ext uri="{28A0092B-C50C-407E-A947-70E740481C1C}">
+                <a14:useLocalDpi xmlns:a14="http://schemas.microsoft.com/office/drawing/2010/main" val="0"/>
+              </a:ext>
+            </a:extLst>
+          </a:blip>
+          <a:srcRect/>
+          <a:stretch/>
+        </p:blipFill>
+        <p:spPr>
+          <a:xfrm>
+            <a:off x="2262495" y="588866"/>
+            <a:ext cx="515318" cy="515318"/>
+          </a:xfrm>
+          <a:prstGeom prst="rect">
+            <a:avLst/>
+          </a:prstGeom>
+        </p:spPr>
+      </p:pic>
+    </p:spTree>
+    <p:extLst>
+      <p:ext uri="{BB962C8B-B14F-4D97-AF65-F5344CB8AC3E}">
+        <p14:creationId xmlns:p14="http://schemas.microsoft.com/office/powerpoint/2010/main" val="2777339791"/>
       </p:ext>
     </p:extLst>
   </p:cSld>

--- a/doc/assets/ppt/第 5 部分 系统运维.pptx
+++ b/doc/assets/ppt/第 5 部分 系统运维.pptx
@@ -5,7 +5,7 @@
     <p:sldMasterId id="2147483648" r:id="rId1"/>
   </p:sldMasterIdLst>
   <p:notesMasterIdLst>
-    <p:notesMasterId r:id="rId9"/>
+    <p:notesMasterId r:id="rId13"/>
   </p:notesMasterIdLst>
   <p:sldIdLst>
     <p:sldId id="337" r:id="rId2"/>
@@ -15,6 +15,10 @@
     <p:sldId id="341" r:id="rId6"/>
     <p:sldId id="342" r:id="rId7"/>
     <p:sldId id="343" r:id="rId8"/>
+    <p:sldId id="344" r:id="rId9"/>
+    <p:sldId id="345" r:id="rId10"/>
+    <p:sldId id="346" r:id="rId11"/>
+    <p:sldId id="347" r:id="rId12"/>
   </p:sldIdLst>
   <p:sldSz cx="5040313" cy="3600450"/>
   <p:notesSz cx="6858000" cy="9144000"/>
@@ -147,6 +151,18 @@
             <p14:sldId id="343"/>
           </p14:sldIdLst>
         </p14:section>
+        <p14:section name="第07节：部署环境 Elasticsearch、Kibana" id="{E92C8971-811F-384A-BDF8-88805AB6E710}">
+          <p14:sldIdLst>
+            <p14:sldId id="344"/>
+            <p14:sldId id="345"/>
+            <p14:sldId id="346"/>
+          </p14:sldIdLst>
+        </p14:section>
+        <p14:section name="第08节：部署环境 canal" id="{4BB2562F-D33C-5F4E-8D29-62CF4DF1C524}">
+          <p14:sldIdLst>
+            <p14:sldId id="347"/>
+          </p14:sldIdLst>
+        </p14:section>
       </p14:sectionLst>
     </p:ext>
     <p:ext uri="{EFAFB233-063F-42B5-8137-9DF3F51BA10A}">
@@ -250,7 +266,7 @@
           <a:p>
             <a:fld id="{E47FC481-15AF-45CA-8376-B9BCE636A15E}" type="datetimeFigureOut">
               <a:rPr lang="zh-CN" altLang="en-US" smtClean="0"/>
-              <a:t>2021/12/19</a:t>
+              <a:t>2022/2/6</a:t>
             </a:fld>
             <a:endParaRPr lang="zh-CN" altLang="en-US"/>
           </a:p>
@@ -660,7 +676,7 @@
           <a:p>
             <a:fld id="{DCD554A7-7CC4-40A9-A60E-4E72AAE3CDC5}" type="datetimeFigureOut">
               <a:rPr lang="zh-CN" altLang="en-US" smtClean="0"/>
-              <a:t>2021/12/19</a:t>
+              <a:t>2022/2/6</a:t>
             </a:fld>
             <a:endParaRPr lang="zh-CN" altLang="en-US"/>
           </a:p>
@@ -868,7 +884,7 @@
           <a:p>
             <a:fld id="{DCD554A7-7CC4-40A9-A60E-4E72AAE3CDC5}" type="datetimeFigureOut">
               <a:rPr lang="zh-CN" altLang="en-US" smtClean="0"/>
-              <a:t>2021/12/19</a:t>
+              <a:t>2022/2/6</a:t>
             </a:fld>
             <a:endParaRPr lang="zh-CN" altLang="en-US"/>
           </a:p>
@@ -1076,7 +1092,7 @@
           <a:p>
             <a:fld id="{DCD554A7-7CC4-40A9-A60E-4E72AAE3CDC5}" type="datetimeFigureOut">
               <a:rPr lang="zh-CN" altLang="en-US" smtClean="0"/>
-              <a:t>2021/12/19</a:t>
+              <a:t>2022/2/6</a:t>
             </a:fld>
             <a:endParaRPr lang="zh-CN" altLang="en-US"/>
           </a:p>
@@ -1284,7 +1300,7 @@
           <a:p>
             <a:fld id="{DCD554A7-7CC4-40A9-A60E-4E72AAE3CDC5}" type="datetimeFigureOut">
               <a:rPr lang="zh-CN" altLang="en-US" smtClean="0"/>
-              <a:t>2021/12/19</a:t>
+              <a:t>2022/2/6</a:t>
             </a:fld>
             <a:endParaRPr lang="zh-CN" altLang="en-US"/>
           </a:p>
@@ -1559,7 +1575,7 @@
           <a:p>
             <a:fld id="{DCD554A7-7CC4-40A9-A60E-4E72AAE3CDC5}" type="datetimeFigureOut">
               <a:rPr lang="zh-CN" altLang="en-US" smtClean="0"/>
-              <a:t>2021/12/19</a:t>
+              <a:t>2022/2/6</a:t>
             </a:fld>
             <a:endParaRPr lang="zh-CN" altLang="en-US"/>
           </a:p>
@@ -1826,7 +1842,7 @@
           <a:p>
             <a:fld id="{DCD554A7-7CC4-40A9-A60E-4E72AAE3CDC5}" type="datetimeFigureOut">
               <a:rPr lang="zh-CN" altLang="en-US" smtClean="0"/>
-              <a:t>2021/12/19</a:t>
+              <a:t>2022/2/6</a:t>
             </a:fld>
             <a:endParaRPr lang="zh-CN" altLang="en-US"/>
           </a:p>
@@ -2229,7 +2245,7 @@
           <a:p>
             <a:fld id="{DCD554A7-7CC4-40A9-A60E-4E72AAE3CDC5}" type="datetimeFigureOut">
               <a:rPr lang="zh-CN" altLang="en-US" smtClean="0"/>
-              <a:t>2021/12/19</a:t>
+              <a:t>2022/2/6</a:t>
             </a:fld>
             <a:endParaRPr lang="zh-CN" altLang="en-US"/>
           </a:p>
@@ -2378,7 +2394,7 @@
           <a:p>
             <a:fld id="{DCD554A7-7CC4-40A9-A60E-4E72AAE3CDC5}" type="datetimeFigureOut">
               <a:rPr lang="zh-CN" altLang="en-US" smtClean="0"/>
-              <a:t>2021/12/19</a:t>
+              <a:t>2022/2/6</a:t>
             </a:fld>
             <a:endParaRPr lang="zh-CN" altLang="en-US"/>
           </a:p>
@@ -2497,7 +2513,7 @@
           <a:p>
             <a:fld id="{DCD554A7-7CC4-40A9-A60E-4E72AAE3CDC5}" type="datetimeFigureOut">
               <a:rPr lang="zh-CN" altLang="en-US" smtClean="0"/>
-              <a:t>2021/12/19</a:t>
+              <a:t>2022/2/6</a:t>
             </a:fld>
             <a:endParaRPr lang="zh-CN" altLang="en-US"/>
           </a:p>
@@ -2805,7 +2821,7 @@
           <a:p>
             <a:fld id="{DCD554A7-7CC4-40A9-A60E-4E72AAE3CDC5}" type="datetimeFigureOut">
               <a:rPr lang="zh-CN" altLang="en-US" smtClean="0"/>
-              <a:t>2021/12/19</a:t>
+              <a:t>2022/2/6</a:t>
             </a:fld>
             <a:endParaRPr lang="zh-CN" altLang="en-US"/>
           </a:p>
@@ -3090,7 +3106,7 @@
           <a:p>
             <a:fld id="{DCD554A7-7CC4-40A9-A60E-4E72AAE3CDC5}" type="datetimeFigureOut">
               <a:rPr lang="zh-CN" altLang="en-US" smtClean="0"/>
-              <a:t>2021/12/19</a:t>
+              <a:t>2022/2/6</a:t>
             </a:fld>
             <a:endParaRPr lang="zh-CN" altLang="en-US"/>
           </a:p>
@@ -7979,6 +7995,1548 @@
 </p:sld>
 </file>
 
+<file path=ppt/slides/slide10.xml><?xml version="1.0" encoding="utf-8"?>
+<p:sld xmlns:a="http://schemas.openxmlformats.org/drawingml/2006/main" xmlns:r="http://schemas.openxmlformats.org/officeDocument/2006/relationships" xmlns:p="http://schemas.openxmlformats.org/presentationml/2006/main">
+  <p:cSld>
+    <p:spTree>
+      <p:nvGrpSpPr>
+        <p:cNvPr id="1" name=""/>
+        <p:cNvGrpSpPr/>
+        <p:nvPr/>
+      </p:nvGrpSpPr>
+      <p:grpSpPr>
+        <a:xfrm>
+          <a:off x="0" y="0"/>
+          <a:ext cx="0" cy="0"/>
+          <a:chOff x="0" y="0"/>
+          <a:chExt cx="0" cy="0"/>
+        </a:xfrm>
+      </p:grpSpPr>
+      <p:sp>
+        <p:nvSpPr>
+          <p:cNvPr id="2" name="圆角矩形 1">
+            <a:extLst>
+              <a:ext uri="{FF2B5EF4-FFF2-40B4-BE49-F238E27FC236}">
+                <a16:creationId xmlns:a16="http://schemas.microsoft.com/office/drawing/2014/main" id="{87FD81BA-94DC-7148-ADF2-0C9EA9B1B885}"/>
+              </a:ext>
+            </a:extLst>
+          </p:cNvPr>
+          <p:cNvSpPr/>
+          <p:nvPr/>
+        </p:nvSpPr>
+        <p:spPr>
+          <a:xfrm>
+            <a:off x="2123281" y="539750"/>
+            <a:ext cx="793750" cy="889000"/>
+          </a:xfrm>
+          <a:prstGeom prst="roundRect">
+            <a:avLst>
+              <a:gd name="adj" fmla="val 10267"/>
+            </a:avLst>
+          </a:prstGeom>
+          <a:noFill/>
+          <a:ln>
+            <a:solidFill>
+              <a:srgbClr val="00B0F0"/>
+            </a:solidFill>
+          </a:ln>
+        </p:spPr>
+        <p:style>
+          <a:lnRef idx="2">
+            <a:schemeClr val="accent1">
+              <a:shade val="50000"/>
+            </a:schemeClr>
+          </a:lnRef>
+          <a:fillRef idx="1">
+            <a:schemeClr val="accent1"/>
+          </a:fillRef>
+          <a:effectRef idx="0">
+            <a:schemeClr val="accent1"/>
+          </a:effectRef>
+          <a:fontRef idx="minor">
+            <a:schemeClr val="lt1"/>
+          </a:fontRef>
+        </p:style>
+        <p:txBody>
+          <a:bodyPr rtlCol="0" anchor="ctr"/>
+          <a:lstStyle/>
+          <a:p>
+            <a:pPr algn="ctr"/>
+            <a:r>
+              <a:rPr kumimoji="1" lang="en-US" altLang="zh-CN" dirty="0">
+                <a:solidFill>
+                  <a:srgbClr val="FF0000"/>
+                </a:solidFill>
+              </a:rPr>
+              <a:t>Linux</a:t>
+            </a:r>
+            <a:r>
+              <a:rPr kumimoji="1" lang="zh-CN" altLang="en-US" dirty="0">
+                <a:solidFill>
+                  <a:srgbClr val="FF0000"/>
+                </a:solidFill>
+              </a:rPr>
+              <a:t> </a:t>
+            </a:r>
+            <a:endParaRPr kumimoji="1" lang="en-US" altLang="zh-CN" dirty="0">
+              <a:solidFill>
+                <a:srgbClr val="FF0000"/>
+              </a:solidFill>
+            </a:endParaRPr>
+          </a:p>
+          <a:p>
+            <a:pPr algn="ctr"/>
+            <a:r>
+              <a:rPr kumimoji="1" lang="zh-CN" altLang="en-US" dirty="0">
+                <a:solidFill>
+                  <a:srgbClr val="FF0000"/>
+                </a:solidFill>
+              </a:rPr>
+              <a:t>服务器</a:t>
+            </a:r>
+          </a:p>
+        </p:txBody>
+      </p:sp>
+      <p:sp>
+        <p:nvSpPr>
+          <p:cNvPr id="3" name="圆角矩形 2">
+            <a:extLst>
+              <a:ext uri="{FF2B5EF4-FFF2-40B4-BE49-F238E27FC236}">
+                <a16:creationId xmlns:a16="http://schemas.microsoft.com/office/drawing/2014/main" id="{FD04877A-8719-464A-B228-E5A62A757550}"/>
+              </a:ext>
+            </a:extLst>
+          </p:cNvPr>
+          <p:cNvSpPr/>
+          <p:nvPr/>
+        </p:nvSpPr>
+        <p:spPr>
+          <a:xfrm>
+            <a:off x="3666331" y="539750"/>
+            <a:ext cx="793750" cy="889000"/>
+          </a:xfrm>
+          <a:prstGeom prst="roundRect">
+            <a:avLst>
+              <a:gd name="adj" fmla="val 10267"/>
+            </a:avLst>
+          </a:prstGeom>
+          <a:noFill/>
+          <a:ln>
+            <a:solidFill>
+              <a:srgbClr val="00B0F0"/>
+            </a:solidFill>
+          </a:ln>
+        </p:spPr>
+        <p:style>
+          <a:lnRef idx="2">
+            <a:schemeClr val="accent1">
+              <a:shade val="50000"/>
+            </a:schemeClr>
+          </a:lnRef>
+          <a:fillRef idx="1">
+            <a:schemeClr val="accent1"/>
+          </a:fillRef>
+          <a:effectRef idx="0">
+            <a:schemeClr val="accent1"/>
+          </a:effectRef>
+          <a:fontRef idx="minor">
+            <a:schemeClr val="lt1"/>
+          </a:fontRef>
+        </p:style>
+        <p:txBody>
+          <a:bodyPr rtlCol="0" anchor="ctr"/>
+          <a:lstStyle/>
+          <a:p>
+            <a:pPr algn="ctr"/>
+            <a:r>
+              <a:rPr kumimoji="1" lang="en-US" altLang="zh-CN" dirty="0">
+                <a:solidFill>
+                  <a:srgbClr val="FF0000"/>
+                </a:solidFill>
+              </a:rPr>
+              <a:t>Docker</a:t>
+            </a:r>
+            <a:r>
+              <a:rPr kumimoji="1" lang="zh-CN" altLang="en-US" dirty="0">
+                <a:solidFill>
+                  <a:srgbClr val="FF0000"/>
+                </a:solidFill>
+              </a:rPr>
+              <a:t> </a:t>
+            </a:r>
+            <a:endParaRPr kumimoji="1" lang="en-US" altLang="zh-CN" dirty="0">
+              <a:solidFill>
+                <a:srgbClr val="FF0000"/>
+              </a:solidFill>
+            </a:endParaRPr>
+          </a:p>
+          <a:p>
+            <a:pPr algn="ctr"/>
+            <a:r>
+              <a:rPr kumimoji="1" lang="zh-CN" altLang="en-US" dirty="0">
+                <a:solidFill>
+                  <a:srgbClr val="FF0000"/>
+                </a:solidFill>
+              </a:rPr>
+              <a:t>服务器</a:t>
+            </a:r>
+          </a:p>
+        </p:txBody>
+      </p:sp>
+      <p:sp>
+        <p:nvSpPr>
+          <p:cNvPr id="4" name="圆角矩形 3">
+            <a:extLst>
+              <a:ext uri="{FF2B5EF4-FFF2-40B4-BE49-F238E27FC236}">
+                <a16:creationId xmlns:a16="http://schemas.microsoft.com/office/drawing/2014/main" id="{0154440D-04AA-F24E-9E24-227B81354127}"/>
+              </a:ext>
+            </a:extLst>
+          </p:cNvPr>
+          <p:cNvSpPr/>
+          <p:nvPr/>
+        </p:nvSpPr>
+        <p:spPr>
+          <a:xfrm>
+            <a:off x="576262" y="539750"/>
+            <a:ext cx="793750" cy="889000"/>
+          </a:xfrm>
+          <a:prstGeom prst="roundRect">
+            <a:avLst>
+              <a:gd name="adj" fmla="val 10267"/>
+            </a:avLst>
+          </a:prstGeom>
+          <a:noFill/>
+          <a:ln>
+            <a:solidFill>
+              <a:srgbClr val="00B0F0"/>
+            </a:solidFill>
+          </a:ln>
+        </p:spPr>
+        <p:style>
+          <a:lnRef idx="2">
+            <a:schemeClr val="accent1">
+              <a:shade val="50000"/>
+            </a:schemeClr>
+          </a:lnRef>
+          <a:fillRef idx="1">
+            <a:schemeClr val="accent1"/>
+          </a:fillRef>
+          <a:effectRef idx="0">
+            <a:schemeClr val="accent1"/>
+          </a:effectRef>
+          <a:fontRef idx="minor">
+            <a:schemeClr val="lt1"/>
+          </a:fontRef>
+        </p:style>
+        <p:txBody>
+          <a:bodyPr rtlCol="0" anchor="ctr"/>
+          <a:lstStyle/>
+          <a:p>
+            <a:pPr algn="ctr"/>
+            <a:r>
+              <a:rPr kumimoji="1" lang="zh-CN" altLang="en-US" dirty="0">
+                <a:solidFill>
+                  <a:srgbClr val="FF0000"/>
+                </a:solidFill>
+              </a:rPr>
+              <a:t>本地</a:t>
+            </a:r>
+            <a:endParaRPr kumimoji="1" lang="en-US" altLang="zh-CN" dirty="0">
+              <a:solidFill>
+                <a:srgbClr val="FF0000"/>
+              </a:solidFill>
+            </a:endParaRPr>
+          </a:p>
+        </p:txBody>
+      </p:sp>
+      <p:sp>
+        <p:nvSpPr>
+          <p:cNvPr id="5" name="矩形 4">
+            <a:extLst>
+              <a:ext uri="{FF2B5EF4-FFF2-40B4-BE49-F238E27FC236}">
+                <a16:creationId xmlns:a16="http://schemas.microsoft.com/office/drawing/2014/main" id="{1E9AE202-5287-964B-9955-A882D09FDAF9}"/>
+              </a:ext>
+            </a:extLst>
+          </p:cNvPr>
+          <p:cNvSpPr/>
+          <p:nvPr/>
+        </p:nvSpPr>
+        <p:spPr>
+          <a:xfrm>
+            <a:off x="3666331" y="1551852"/>
+            <a:ext cx="1312069" cy="531877"/>
+          </a:xfrm>
+          <a:prstGeom prst="rect">
+            <a:avLst/>
+          </a:prstGeom>
+        </p:spPr>
+        <p:txBody>
+          <a:bodyPr wrap="square">
+            <a:spAutoFit/>
+          </a:bodyPr>
+          <a:lstStyle/>
+          <a:p>
+            <a:r>
+              <a:rPr lang="zh-CN" altLang="en-US" dirty="0"/>
+              <a:t>docker exec -it elasticsearch /bin/bash</a:t>
+            </a:r>
+          </a:p>
+        </p:txBody>
+      </p:sp>
+      <p:sp>
+        <p:nvSpPr>
+          <p:cNvPr id="6" name="矩形 5">
+            <a:extLst>
+              <a:ext uri="{FF2B5EF4-FFF2-40B4-BE49-F238E27FC236}">
+                <a16:creationId xmlns:a16="http://schemas.microsoft.com/office/drawing/2014/main" id="{DD5DD43C-36CE-C046-950C-DE73F0F56DAD}"/>
+              </a:ext>
+            </a:extLst>
+          </p:cNvPr>
+          <p:cNvSpPr/>
+          <p:nvPr/>
+        </p:nvSpPr>
+        <p:spPr>
+          <a:xfrm>
+            <a:off x="2123281" y="1539476"/>
+            <a:ext cx="907256" cy="1264449"/>
+          </a:xfrm>
+          <a:prstGeom prst="rect">
+            <a:avLst/>
+          </a:prstGeom>
+        </p:spPr>
+        <p:txBody>
+          <a:bodyPr wrap="square">
+            <a:spAutoFit/>
+          </a:bodyPr>
+          <a:lstStyle/>
+          <a:p>
+            <a:r>
+              <a:rPr lang="en" altLang="zh-CN" dirty="0"/>
+              <a:t>docker cp </a:t>
+            </a:r>
+            <a:r>
+              <a:rPr lang="en" altLang="zh-CN" dirty="0" err="1"/>
+              <a:t>elasticsearch</a:t>
+            </a:r>
+            <a:r>
+              <a:rPr lang="en" altLang="zh-CN" dirty="0"/>
+              <a:t>:/</a:t>
+            </a:r>
+            <a:r>
+              <a:rPr lang="en" altLang="zh-CN" dirty="0" err="1"/>
+              <a:t>usr</a:t>
+            </a:r>
+            <a:r>
+              <a:rPr lang="en" altLang="zh-CN" dirty="0"/>
+              <a:t>/share/</a:t>
+            </a:r>
+            <a:r>
+              <a:rPr lang="en" altLang="zh-CN" dirty="0" err="1"/>
+              <a:t>elasticsearch</a:t>
+            </a:r>
+            <a:r>
+              <a:rPr lang="en" altLang="zh-CN" dirty="0"/>
+              <a:t>/modules/x-pack-core/x-pack-core-7.6.2.jar /</a:t>
+            </a:r>
+            <a:r>
+              <a:rPr lang="en" altLang="zh-CN" dirty="0" err="1"/>
+              <a:t>tmp</a:t>
+            </a:r>
+            <a:endParaRPr lang="zh-CN" altLang="en-US" dirty="0"/>
+          </a:p>
+        </p:txBody>
+      </p:sp>
+      <p:sp>
+        <p:nvSpPr>
+          <p:cNvPr id="7" name="矩形 6">
+            <a:extLst>
+              <a:ext uri="{FF2B5EF4-FFF2-40B4-BE49-F238E27FC236}">
+                <a16:creationId xmlns:a16="http://schemas.microsoft.com/office/drawing/2014/main" id="{97AA74B1-64BF-2641-90CE-6E366393B7A5}"/>
+              </a:ext>
+            </a:extLst>
+          </p:cNvPr>
+          <p:cNvSpPr/>
+          <p:nvPr/>
+        </p:nvSpPr>
+        <p:spPr>
+          <a:xfrm>
+            <a:off x="2786575" y="884222"/>
+            <a:ext cx="1010213" cy="200055"/>
+          </a:xfrm>
+          <a:prstGeom prst="rect">
+            <a:avLst/>
+          </a:prstGeom>
+        </p:spPr>
+        <p:txBody>
+          <a:bodyPr wrap="none">
+            <a:spAutoFit/>
+          </a:bodyPr>
+          <a:lstStyle/>
+          <a:p>
+            <a:r>
+              <a:rPr lang="en" altLang="zh-CN" sz="700" dirty="0"/>
+              <a:t>x-pack-core-7.6.2.jar</a:t>
+            </a:r>
+            <a:endParaRPr lang="zh-CN" altLang="en-US" sz="700" dirty="0"/>
+          </a:p>
+        </p:txBody>
+      </p:sp>
+      <p:sp>
+        <p:nvSpPr>
+          <p:cNvPr id="8" name="矩形 7">
+            <a:extLst>
+              <a:ext uri="{FF2B5EF4-FFF2-40B4-BE49-F238E27FC236}">
+                <a16:creationId xmlns:a16="http://schemas.microsoft.com/office/drawing/2014/main" id="{FCAD3536-B995-3648-B600-2C46A7F42C42}"/>
+              </a:ext>
+            </a:extLst>
+          </p:cNvPr>
+          <p:cNvSpPr/>
+          <p:nvPr/>
+        </p:nvSpPr>
+        <p:spPr>
+          <a:xfrm>
+            <a:off x="1243525" y="884221"/>
+            <a:ext cx="1010213" cy="200055"/>
+          </a:xfrm>
+          <a:prstGeom prst="rect">
+            <a:avLst/>
+          </a:prstGeom>
+        </p:spPr>
+        <p:txBody>
+          <a:bodyPr wrap="none">
+            <a:spAutoFit/>
+          </a:bodyPr>
+          <a:lstStyle/>
+          <a:p>
+            <a:r>
+              <a:rPr lang="en" altLang="zh-CN" sz="700" dirty="0"/>
+              <a:t>x-pack-core-7.6.2.jar</a:t>
+            </a:r>
+            <a:endParaRPr lang="zh-CN" altLang="en-US" sz="700" dirty="0"/>
+          </a:p>
+        </p:txBody>
+      </p:sp>
+      <p:cxnSp>
+        <p:nvCxnSpPr>
+          <p:cNvPr id="10" name="直线箭头连接符 9">
+            <a:extLst>
+              <a:ext uri="{FF2B5EF4-FFF2-40B4-BE49-F238E27FC236}">
+                <a16:creationId xmlns:a16="http://schemas.microsoft.com/office/drawing/2014/main" id="{2E88124D-28B4-1D46-B3AC-E5F0D9A560D2}"/>
+              </a:ext>
+            </a:extLst>
+          </p:cNvPr>
+          <p:cNvCxnSpPr>
+            <a:stCxn id="8" idx="2"/>
+          </p:cNvCxnSpPr>
+          <p:nvPr/>
+        </p:nvCxnSpPr>
+        <p:spPr>
+          <a:xfrm flipH="1">
+            <a:off x="1066800" y="1084276"/>
+            <a:ext cx="681832" cy="782624"/>
+          </a:xfrm>
+          <a:prstGeom prst="straightConnector1">
+            <a:avLst/>
+          </a:prstGeom>
+          <a:ln>
+            <a:solidFill>
+              <a:srgbClr val="C00000"/>
+            </a:solidFill>
+            <a:tailEnd type="triangle"/>
+          </a:ln>
+        </p:spPr>
+        <p:style>
+          <a:lnRef idx="1">
+            <a:schemeClr val="accent1"/>
+          </a:lnRef>
+          <a:fillRef idx="0">
+            <a:schemeClr val="accent1"/>
+          </a:fillRef>
+          <a:effectRef idx="0">
+            <a:schemeClr val="accent1"/>
+          </a:effectRef>
+          <a:fontRef idx="minor">
+            <a:schemeClr val="tx1"/>
+          </a:fontRef>
+        </p:style>
+      </p:cxnSp>
+      <p:sp>
+        <p:nvSpPr>
+          <p:cNvPr id="11" name="矩形 10">
+            <a:extLst>
+              <a:ext uri="{FF2B5EF4-FFF2-40B4-BE49-F238E27FC236}">
+                <a16:creationId xmlns:a16="http://schemas.microsoft.com/office/drawing/2014/main" id="{C1B631F7-B7EE-0F4E-832A-F3F0647E256A}"/>
+              </a:ext>
+            </a:extLst>
+          </p:cNvPr>
+          <p:cNvSpPr/>
+          <p:nvPr/>
+        </p:nvSpPr>
+        <p:spPr>
+          <a:xfrm>
+            <a:off x="576261" y="1820995"/>
+            <a:ext cx="793751" cy="1264449"/>
+          </a:xfrm>
+          <a:prstGeom prst="rect">
+            <a:avLst/>
+          </a:prstGeom>
+        </p:spPr>
+        <p:txBody>
+          <a:bodyPr wrap="square">
+            <a:spAutoFit/>
+          </a:bodyPr>
+          <a:lstStyle/>
+          <a:p>
+            <a:r>
+              <a:rPr lang="en" altLang="zh-CN" dirty="0"/>
+              <a:t>jar -</a:t>
+            </a:r>
+            <a:r>
+              <a:rPr lang="en" altLang="zh-CN" dirty="0" err="1"/>
+              <a:t>uvf</a:t>
+            </a:r>
+            <a:r>
+              <a:rPr lang="en" altLang="zh-CN" dirty="0"/>
+              <a:t> x-pack-core-7.2.6.jar org/</a:t>
+            </a:r>
+            <a:r>
+              <a:rPr lang="en" altLang="zh-CN" dirty="0" err="1"/>
+              <a:t>elasticsearch</a:t>
+            </a:r>
+            <a:r>
+              <a:rPr lang="en" altLang="zh-CN" dirty="0"/>
+              <a:t>/license/</a:t>
+            </a:r>
+            <a:r>
+              <a:rPr lang="en" altLang="zh-CN" dirty="0" err="1"/>
+              <a:t>LicenseVerifier.class</a:t>
+            </a:r>
+            <a:endParaRPr lang="zh-CN" altLang="en-US" dirty="0"/>
+          </a:p>
+        </p:txBody>
+      </p:sp>
+    </p:spTree>
+    <p:extLst>
+      <p:ext uri="{BB962C8B-B14F-4D97-AF65-F5344CB8AC3E}">
+        <p14:creationId xmlns:p14="http://schemas.microsoft.com/office/powerpoint/2010/main" val="1994489088"/>
+      </p:ext>
+    </p:extLst>
+  </p:cSld>
+  <p:clrMapOvr>
+    <a:masterClrMapping/>
+  </p:clrMapOvr>
+</p:sld>
+</file>
+
+<file path=ppt/slides/slide11.xml><?xml version="1.0" encoding="utf-8"?>
+<p:sld xmlns:a="http://schemas.openxmlformats.org/drawingml/2006/main" xmlns:r="http://schemas.openxmlformats.org/officeDocument/2006/relationships" xmlns:p="http://schemas.openxmlformats.org/presentationml/2006/main">
+  <p:cSld>
+    <p:spTree>
+      <p:nvGrpSpPr>
+        <p:cNvPr id="1" name=""/>
+        <p:cNvGrpSpPr/>
+        <p:nvPr/>
+      </p:nvGrpSpPr>
+      <p:grpSpPr>
+        <a:xfrm>
+          <a:off x="0" y="0"/>
+          <a:ext cx="0" cy="0"/>
+          <a:chOff x="0" y="0"/>
+          <a:chExt cx="0" cy="0"/>
+        </a:xfrm>
+      </p:grpSpPr>
+      <p:sp>
+        <p:nvSpPr>
+          <p:cNvPr id="3" name="矩形 2">
+            <a:extLst>
+              <a:ext uri="{FF2B5EF4-FFF2-40B4-BE49-F238E27FC236}">
+                <a16:creationId xmlns:a16="http://schemas.microsoft.com/office/drawing/2014/main" id="{01E47C42-3A0F-AE4F-9D52-DD7C0E71E04A}"/>
+              </a:ext>
+            </a:extLst>
+          </p:cNvPr>
+          <p:cNvSpPr/>
+          <p:nvPr/>
+        </p:nvSpPr>
+        <p:spPr>
+          <a:xfrm>
+            <a:off x="1" y="1297555"/>
+            <a:ext cx="5040312" cy="369332"/>
+          </a:xfrm>
+          <a:prstGeom prst="rect">
+            <a:avLst/>
+          </a:prstGeom>
+        </p:spPr>
+        <p:txBody>
+          <a:bodyPr wrap="square">
+            <a:spAutoFit/>
+          </a:bodyPr>
+          <a:lstStyle/>
+          <a:p>
+            <a:pPr algn="ctr"/>
+            <a:r>
+              <a:rPr lang="zh-CN" altLang="en-US" sz="1800" dirty="0"/>
+              <a:t>第</a:t>
+            </a:r>
+            <a:r>
+              <a:rPr lang="en-US" altLang="zh-CN" sz="1800" dirty="0"/>
+              <a:t>08</a:t>
+            </a:r>
+            <a:r>
+              <a:rPr lang="zh-CN" altLang="en-US" sz="1800" dirty="0"/>
+              <a:t>节：部署环境 </a:t>
+            </a:r>
+            <a:r>
+              <a:rPr lang="en" altLang="zh-CN" sz="1800" dirty="0"/>
+              <a:t>canal</a:t>
+            </a:r>
+            <a:endParaRPr lang="zh-CN" altLang="en-US" sz="1800" dirty="0"/>
+          </a:p>
+        </p:txBody>
+      </p:sp>
+      <p:sp>
+        <p:nvSpPr>
+          <p:cNvPr id="11" name="矩形 10">
+            <a:extLst>
+              <a:ext uri="{FF2B5EF4-FFF2-40B4-BE49-F238E27FC236}">
+                <a16:creationId xmlns:a16="http://schemas.microsoft.com/office/drawing/2014/main" id="{3BFD82CE-F64F-3D4E-A4C8-923660A6B63B}"/>
+              </a:ext>
+            </a:extLst>
+          </p:cNvPr>
+          <p:cNvSpPr/>
+          <p:nvPr/>
+        </p:nvSpPr>
+        <p:spPr>
+          <a:xfrm>
+            <a:off x="1" y="56943"/>
+            <a:ext cx="2815193" cy="338554"/>
+          </a:xfrm>
+          <a:prstGeom prst="rect">
+            <a:avLst/>
+          </a:prstGeom>
+          <a:noFill/>
+        </p:spPr>
+        <p:txBody>
+          <a:bodyPr wrap="none" lIns="91440" tIns="45720" rIns="91440" bIns="45720">
+            <a:spAutoFit/>
+          </a:bodyPr>
+          <a:lstStyle/>
+          <a:p>
+            <a:pPr algn="ctr"/>
+            <a:r>
+              <a:rPr lang="zh-CN" altLang="en-US" sz="1600" b="1" cap="none" spc="0" dirty="0">
+                <a:ln w="12700">
+                  <a:solidFill>
+                    <a:schemeClr val="accent5"/>
+                  </a:solidFill>
+                  <a:prstDash val="solid"/>
+                </a:ln>
+                <a:pattFill prst="ltDnDiag">
+                  <a:fgClr>
+                    <a:schemeClr val="accent5">
+                      <a:lumMod val="60000"/>
+                      <a:lumOff val="40000"/>
+                    </a:schemeClr>
+                  </a:fgClr>
+                  <a:bgClr>
+                    <a:schemeClr val="bg1"/>
+                  </a:bgClr>
+                </a:pattFill>
+                <a:effectLst/>
+              </a:rPr>
+              <a:t>抽奖系统 </a:t>
+            </a:r>
+            <a:r>
+              <a:rPr lang="en-US" altLang="zh-CN" sz="1600" b="1" cap="none" spc="0" dirty="0">
+                <a:ln w="12700">
+                  <a:solidFill>
+                    <a:schemeClr val="accent5"/>
+                  </a:solidFill>
+                  <a:prstDash val="solid"/>
+                </a:ln>
+                <a:pattFill prst="ltDnDiag">
+                  <a:fgClr>
+                    <a:schemeClr val="accent5">
+                      <a:lumMod val="60000"/>
+                      <a:lumOff val="40000"/>
+                    </a:schemeClr>
+                  </a:fgClr>
+                  <a:bgClr>
+                    <a:schemeClr val="bg1"/>
+                  </a:bgClr>
+                </a:pattFill>
+                <a:effectLst/>
+              </a:rPr>
+              <a:t>·</a:t>
+            </a:r>
+            <a:r>
+              <a:rPr lang="zh-CN" altLang="en-US" sz="1600" b="1" cap="none" spc="0" dirty="0">
+                <a:ln w="12700">
+                  <a:solidFill>
+                    <a:schemeClr val="accent5"/>
+                  </a:solidFill>
+                  <a:prstDash val="solid"/>
+                </a:ln>
+                <a:pattFill prst="ltDnDiag">
+                  <a:fgClr>
+                    <a:schemeClr val="accent5">
+                      <a:lumMod val="60000"/>
+                      <a:lumOff val="40000"/>
+                    </a:schemeClr>
+                  </a:fgClr>
+                  <a:bgClr>
+                    <a:schemeClr val="bg1"/>
+                  </a:bgClr>
+                </a:pattFill>
+                <a:effectLst/>
+              </a:rPr>
+              <a:t> 第</a:t>
+            </a:r>
+            <a:r>
+              <a:rPr lang="en-US" altLang="zh-CN" sz="1600" b="1" cap="none" spc="0" dirty="0">
+                <a:ln w="12700">
+                  <a:solidFill>
+                    <a:schemeClr val="accent5"/>
+                  </a:solidFill>
+                  <a:prstDash val="solid"/>
+                </a:ln>
+                <a:pattFill prst="ltDnDiag">
+                  <a:fgClr>
+                    <a:schemeClr val="accent5">
+                      <a:lumMod val="60000"/>
+                      <a:lumOff val="40000"/>
+                    </a:schemeClr>
+                  </a:fgClr>
+                  <a:bgClr>
+                    <a:schemeClr val="bg1"/>
+                  </a:bgClr>
+                </a:pattFill>
+                <a:effectLst/>
+              </a:rPr>
+              <a:t>5</a:t>
+            </a:r>
+            <a:r>
+              <a:rPr lang="zh-CN" altLang="en-US" sz="1600" b="1" cap="none" spc="0" dirty="0">
+                <a:ln w="12700">
+                  <a:solidFill>
+                    <a:schemeClr val="accent5"/>
+                  </a:solidFill>
+                  <a:prstDash val="solid"/>
+                </a:ln>
+                <a:pattFill prst="ltDnDiag">
+                  <a:fgClr>
+                    <a:schemeClr val="accent5">
+                      <a:lumMod val="60000"/>
+                      <a:lumOff val="40000"/>
+                    </a:schemeClr>
+                  </a:fgClr>
+                  <a:bgClr>
+                    <a:schemeClr val="bg1"/>
+                  </a:bgClr>
+                </a:pattFill>
+                <a:effectLst/>
+              </a:rPr>
+              <a:t>部分 系统运维</a:t>
+            </a:r>
+          </a:p>
+        </p:txBody>
+      </p:sp>
+      <p:sp>
+        <p:nvSpPr>
+          <p:cNvPr id="2" name="矩形 1">
+            <a:extLst>
+              <a:ext uri="{FF2B5EF4-FFF2-40B4-BE49-F238E27FC236}">
+                <a16:creationId xmlns:a16="http://schemas.microsoft.com/office/drawing/2014/main" id="{9DBC7427-2BE1-C246-A1BD-FCD4832FA2DE}"/>
+              </a:ext>
+            </a:extLst>
+          </p:cNvPr>
+          <p:cNvSpPr/>
+          <p:nvPr/>
+        </p:nvSpPr>
+        <p:spPr>
+          <a:xfrm>
+            <a:off x="160071" y="2015669"/>
+            <a:ext cx="4720168" cy="1077218"/>
+          </a:xfrm>
+          <a:prstGeom prst="rect">
+            <a:avLst/>
+          </a:prstGeom>
+        </p:spPr>
+        <p:txBody>
+          <a:bodyPr wrap="square">
+            <a:spAutoFit/>
+          </a:bodyPr>
+          <a:lstStyle/>
+          <a:p>
+            <a:endParaRPr lang="en-US" altLang="zh-CN" sz="800" dirty="0">
+              <a:solidFill>
+                <a:schemeClr val="tx1">
+                  <a:lumMod val="75000"/>
+                  <a:lumOff val="25000"/>
+                </a:schemeClr>
+              </a:solidFill>
+              <a:latin typeface="Microsoft YaHei" panose="020B0503020204020204" pitchFamily="34" charset="-122"/>
+              <a:ea typeface="Microsoft YaHei" panose="020B0503020204020204" pitchFamily="34" charset="-122"/>
+            </a:endParaRPr>
+          </a:p>
+          <a:p>
+            <a:pPr marL="171450" indent="-171450">
+              <a:buFont typeface="Arial" panose="020B0604020202020204" pitchFamily="34" charset="0"/>
+              <a:buChar char="•"/>
+            </a:pPr>
+            <a:r>
+              <a:rPr lang="en" altLang="zh-CN" sz="800" dirty="0">
+                <a:solidFill>
+                  <a:schemeClr val="tx1">
+                    <a:lumMod val="75000"/>
+                    <a:lumOff val="25000"/>
+                  </a:schemeClr>
+                </a:solidFill>
+                <a:latin typeface="Microsoft YaHei" panose="020B0503020204020204" pitchFamily="34" charset="-122"/>
+                <a:ea typeface="Microsoft YaHei" panose="020B0503020204020204" pitchFamily="34" charset="-122"/>
+              </a:rPr>
+              <a:t>canal </a:t>
+            </a:r>
+            <a:r>
+              <a:rPr lang="zh-CN" altLang="en-US" sz="800" dirty="0">
+                <a:solidFill>
+                  <a:schemeClr val="tx1">
+                    <a:lumMod val="75000"/>
+                    <a:lumOff val="25000"/>
+                  </a:schemeClr>
+                </a:solidFill>
+                <a:latin typeface="Microsoft YaHei" panose="020B0503020204020204" pitchFamily="34" charset="-122"/>
+                <a:ea typeface="Microsoft YaHei" panose="020B0503020204020204" pitchFamily="34" charset="-122"/>
+              </a:rPr>
+              <a:t>是一款 阿里巴巴 </a:t>
+            </a:r>
+            <a:r>
+              <a:rPr lang="en" altLang="zh-CN" sz="800" dirty="0">
+                <a:solidFill>
+                  <a:schemeClr val="tx1">
+                    <a:lumMod val="75000"/>
+                    <a:lumOff val="25000"/>
+                  </a:schemeClr>
+                </a:solidFill>
+                <a:latin typeface="Microsoft YaHei" panose="020B0503020204020204" pitchFamily="34" charset="-122"/>
+                <a:ea typeface="Microsoft YaHei" panose="020B0503020204020204" pitchFamily="34" charset="-122"/>
+              </a:rPr>
+              <a:t>MySQL </a:t>
+            </a:r>
+            <a:r>
+              <a:rPr lang="en" altLang="zh-CN" sz="800" dirty="0" err="1">
+                <a:solidFill>
+                  <a:schemeClr val="tx1">
+                    <a:lumMod val="75000"/>
+                    <a:lumOff val="25000"/>
+                  </a:schemeClr>
+                </a:solidFill>
+                <a:latin typeface="Microsoft YaHei" panose="020B0503020204020204" pitchFamily="34" charset="-122"/>
+                <a:ea typeface="Microsoft YaHei" panose="020B0503020204020204" pitchFamily="34" charset="-122"/>
+              </a:rPr>
+              <a:t>binlog</a:t>
+            </a:r>
+            <a:r>
+              <a:rPr lang="en" altLang="zh-CN" sz="800" dirty="0">
+                <a:solidFill>
+                  <a:schemeClr val="tx1">
+                    <a:lumMod val="75000"/>
+                    <a:lumOff val="25000"/>
+                  </a:schemeClr>
+                </a:solidFill>
+                <a:latin typeface="Microsoft YaHei" panose="020B0503020204020204" pitchFamily="34" charset="-122"/>
+                <a:ea typeface="Microsoft YaHei" panose="020B0503020204020204" pitchFamily="34" charset="-122"/>
+              </a:rPr>
+              <a:t> </a:t>
+            </a:r>
+            <a:r>
+              <a:rPr lang="zh-CN" altLang="en-US" sz="800" dirty="0">
+                <a:solidFill>
+                  <a:schemeClr val="tx1">
+                    <a:lumMod val="75000"/>
+                    <a:lumOff val="25000"/>
+                  </a:schemeClr>
+                </a:solidFill>
+                <a:latin typeface="Microsoft YaHei" panose="020B0503020204020204" pitchFamily="34" charset="-122"/>
+                <a:ea typeface="Microsoft YaHei" panose="020B0503020204020204" pitchFamily="34" charset="-122"/>
+              </a:rPr>
+              <a:t>增量订阅</a:t>
+            </a:r>
+            <a:r>
+              <a:rPr lang="en-US" altLang="zh-CN" sz="800" dirty="0">
+                <a:solidFill>
+                  <a:schemeClr val="tx1">
+                    <a:lumMod val="75000"/>
+                    <a:lumOff val="25000"/>
+                  </a:schemeClr>
+                </a:solidFill>
+                <a:latin typeface="Microsoft YaHei" panose="020B0503020204020204" pitchFamily="34" charset="-122"/>
+                <a:ea typeface="Microsoft YaHei" panose="020B0503020204020204" pitchFamily="34" charset="-122"/>
+              </a:rPr>
+              <a:t>&amp;</a:t>
+            </a:r>
+            <a:r>
+              <a:rPr lang="zh-CN" altLang="en-US" sz="800" dirty="0">
+                <a:solidFill>
+                  <a:schemeClr val="tx1">
+                    <a:lumMod val="75000"/>
+                    <a:lumOff val="25000"/>
+                  </a:schemeClr>
+                </a:solidFill>
+                <a:latin typeface="Microsoft YaHei" panose="020B0503020204020204" pitchFamily="34" charset="-122"/>
+                <a:ea typeface="Microsoft YaHei" panose="020B0503020204020204" pitchFamily="34" charset="-122"/>
+              </a:rPr>
+              <a:t>消费组件，模拟 </a:t>
+            </a:r>
+            <a:r>
+              <a:rPr lang="en" altLang="zh-CN" sz="800" dirty="0">
+                <a:solidFill>
+                  <a:schemeClr val="tx1">
+                    <a:lumMod val="75000"/>
+                    <a:lumOff val="25000"/>
+                  </a:schemeClr>
+                </a:solidFill>
+                <a:latin typeface="Microsoft YaHei" panose="020B0503020204020204" pitchFamily="34" charset="-122"/>
+                <a:ea typeface="Microsoft YaHei" panose="020B0503020204020204" pitchFamily="34" charset="-122"/>
+              </a:rPr>
+              <a:t>MySQL slave </a:t>
+            </a:r>
+            <a:r>
+              <a:rPr lang="zh-CN" altLang="en-US" sz="800" dirty="0">
+                <a:solidFill>
+                  <a:schemeClr val="tx1">
+                    <a:lumMod val="75000"/>
+                    <a:lumOff val="25000"/>
+                  </a:schemeClr>
+                </a:solidFill>
+                <a:latin typeface="Microsoft YaHei" panose="020B0503020204020204" pitchFamily="34" charset="-122"/>
+                <a:ea typeface="Microsoft YaHei" panose="020B0503020204020204" pitchFamily="34" charset="-122"/>
+              </a:rPr>
+              <a:t>的交互协议，伪装自己为 </a:t>
+            </a:r>
+            <a:r>
+              <a:rPr lang="en" altLang="zh-CN" sz="800" dirty="0">
+                <a:solidFill>
+                  <a:schemeClr val="tx1">
+                    <a:lumMod val="75000"/>
+                    <a:lumOff val="25000"/>
+                  </a:schemeClr>
+                </a:solidFill>
+                <a:latin typeface="Microsoft YaHei" panose="020B0503020204020204" pitchFamily="34" charset="-122"/>
+                <a:ea typeface="Microsoft YaHei" panose="020B0503020204020204" pitchFamily="34" charset="-122"/>
+              </a:rPr>
+              <a:t>MySQL slave </a:t>
+            </a:r>
+            <a:r>
+              <a:rPr lang="zh-CN" altLang="en" sz="800" dirty="0">
+                <a:solidFill>
+                  <a:schemeClr val="tx1">
+                    <a:lumMod val="75000"/>
+                    <a:lumOff val="25000"/>
+                  </a:schemeClr>
+                </a:solidFill>
+                <a:latin typeface="Microsoft YaHei" panose="020B0503020204020204" pitchFamily="34" charset="-122"/>
+                <a:ea typeface="Microsoft YaHei" panose="020B0503020204020204" pitchFamily="34" charset="-122"/>
+              </a:rPr>
+              <a:t>，</a:t>
+            </a:r>
+            <a:r>
+              <a:rPr lang="zh-CN" altLang="en-US" sz="800" dirty="0">
+                <a:solidFill>
+                  <a:schemeClr val="tx1">
+                    <a:lumMod val="75000"/>
+                    <a:lumOff val="25000"/>
+                  </a:schemeClr>
+                </a:solidFill>
+                <a:latin typeface="Microsoft YaHei" panose="020B0503020204020204" pitchFamily="34" charset="-122"/>
+                <a:ea typeface="Microsoft YaHei" panose="020B0503020204020204" pitchFamily="34" charset="-122"/>
+              </a:rPr>
+              <a:t>向 </a:t>
+            </a:r>
+            <a:r>
+              <a:rPr lang="en" altLang="zh-CN" sz="800" dirty="0">
+                <a:solidFill>
+                  <a:schemeClr val="tx1">
+                    <a:lumMod val="75000"/>
+                    <a:lumOff val="25000"/>
+                  </a:schemeClr>
+                </a:solidFill>
+                <a:latin typeface="Microsoft YaHei" panose="020B0503020204020204" pitchFamily="34" charset="-122"/>
+                <a:ea typeface="Microsoft YaHei" panose="020B0503020204020204" pitchFamily="34" charset="-122"/>
+              </a:rPr>
+              <a:t>MySQL master </a:t>
+            </a:r>
+            <a:r>
+              <a:rPr lang="zh-CN" altLang="en-US" sz="800" dirty="0">
+                <a:solidFill>
+                  <a:schemeClr val="tx1">
+                    <a:lumMod val="75000"/>
+                    <a:lumOff val="25000"/>
+                  </a:schemeClr>
+                </a:solidFill>
+                <a:latin typeface="Microsoft YaHei" panose="020B0503020204020204" pitchFamily="34" charset="-122"/>
+                <a:ea typeface="Microsoft YaHei" panose="020B0503020204020204" pitchFamily="34" charset="-122"/>
+              </a:rPr>
+              <a:t>发送</a:t>
+            </a:r>
+            <a:r>
+              <a:rPr lang="en" altLang="zh-CN" sz="800" dirty="0">
+                <a:solidFill>
+                  <a:schemeClr val="tx1">
+                    <a:lumMod val="75000"/>
+                    <a:lumOff val="25000"/>
+                  </a:schemeClr>
+                </a:solidFill>
+                <a:latin typeface="Microsoft YaHei" panose="020B0503020204020204" pitchFamily="34" charset="-122"/>
+                <a:ea typeface="Microsoft YaHei" panose="020B0503020204020204" pitchFamily="34" charset="-122"/>
+              </a:rPr>
+              <a:t>dump </a:t>
+            </a:r>
+            <a:r>
+              <a:rPr lang="zh-CN" altLang="en-US" sz="800" dirty="0">
+                <a:solidFill>
+                  <a:schemeClr val="tx1">
+                    <a:lumMod val="75000"/>
+                    <a:lumOff val="25000"/>
+                  </a:schemeClr>
+                </a:solidFill>
+                <a:latin typeface="Microsoft YaHei" panose="020B0503020204020204" pitchFamily="34" charset="-122"/>
+                <a:ea typeface="Microsoft YaHei" panose="020B0503020204020204" pitchFamily="34" charset="-122"/>
+              </a:rPr>
+              <a:t>协议。</a:t>
+            </a:r>
+            <a:r>
+              <a:rPr lang="en" altLang="zh-CN" sz="800" dirty="0">
+                <a:solidFill>
+                  <a:schemeClr val="tx1">
+                    <a:lumMod val="75000"/>
+                    <a:lumOff val="25000"/>
+                  </a:schemeClr>
+                </a:solidFill>
+                <a:latin typeface="Microsoft YaHei" panose="020B0503020204020204" pitchFamily="34" charset="-122"/>
+                <a:ea typeface="Microsoft YaHei" panose="020B0503020204020204" pitchFamily="34" charset="-122"/>
+              </a:rPr>
+              <a:t>MySQL master </a:t>
+            </a:r>
+            <a:r>
+              <a:rPr lang="zh-CN" altLang="en-US" sz="800" dirty="0">
+                <a:solidFill>
+                  <a:schemeClr val="tx1">
+                    <a:lumMod val="75000"/>
+                    <a:lumOff val="25000"/>
+                  </a:schemeClr>
+                </a:solidFill>
+                <a:latin typeface="Microsoft YaHei" panose="020B0503020204020204" pitchFamily="34" charset="-122"/>
+                <a:ea typeface="Microsoft YaHei" panose="020B0503020204020204" pitchFamily="34" charset="-122"/>
+              </a:rPr>
+              <a:t>收到 </a:t>
+            </a:r>
+            <a:r>
+              <a:rPr lang="en" altLang="zh-CN" sz="800" dirty="0">
+                <a:solidFill>
+                  <a:schemeClr val="tx1">
+                    <a:lumMod val="75000"/>
+                    <a:lumOff val="25000"/>
+                  </a:schemeClr>
+                </a:solidFill>
+                <a:latin typeface="Microsoft YaHei" panose="020B0503020204020204" pitchFamily="34" charset="-122"/>
+                <a:ea typeface="Microsoft YaHei" panose="020B0503020204020204" pitchFamily="34" charset="-122"/>
+              </a:rPr>
+              <a:t>dump </a:t>
+            </a:r>
+            <a:r>
+              <a:rPr lang="zh-CN" altLang="en-US" sz="800" dirty="0">
+                <a:solidFill>
+                  <a:schemeClr val="tx1">
+                    <a:lumMod val="75000"/>
+                    <a:lumOff val="25000"/>
+                  </a:schemeClr>
+                </a:solidFill>
+                <a:latin typeface="Microsoft YaHei" panose="020B0503020204020204" pitchFamily="34" charset="-122"/>
+                <a:ea typeface="Microsoft YaHei" panose="020B0503020204020204" pitchFamily="34" charset="-122"/>
+              </a:rPr>
+              <a:t>请求，开始推送 </a:t>
+            </a:r>
+            <a:r>
+              <a:rPr lang="en" altLang="zh-CN" sz="800" dirty="0">
+                <a:solidFill>
+                  <a:schemeClr val="tx1">
+                    <a:lumMod val="75000"/>
+                    <a:lumOff val="25000"/>
+                  </a:schemeClr>
+                </a:solidFill>
+                <a:latin typeface="Microsoft YaHei" panose="020B0503020204020204" pitchFamily="34" charset="-122"/>
+                <a:ea typeface="Microsoft YaHei" panose="020B0503020204020204" pitchFamily="34" charset="-122"/>
+              </a:rPr>
+              <a:t>binary log </a:t>
+            </a:r>
+            <a:r>
+              <a:rPr lang="zh-CN" altLang="en-US" sz="800" dirty="0">
+                <a:solidFill>
+                  <a:schemeClr val="tx1">
+                    <a:lumMod val="75000"/>
+                    <a:lumOff val="25000"/>
+                  </a:schemeClr>
+                </a:solidFill>
+                <a:latin typeface="Microsoft YaHei" panose="020B0503020204020204" pitchFamily="34" charset="-122"/>
+                <a:ea typeface="Microsoft YaHei" panose="020B0503020204020204" pitchFamily="34" charset="-122"/>
+              </a:rPr>
+              <a:t>给 </a:t>
+            </a:r>
+            <a:r>
+              <a:rPr lang="en" altLang="zh-CN" sz="800" dirty="0">
+                <a:solidFill>
+                  <a:schemeClr val="tx1">
+                    <a:lumMod val="75000"/>
+                    <a:lumOff val="25000"/>
+                  </a:schemeClr>
+                </a:solidFill>
+                <a:latin typeface="Microsoft YaHei" panose="020B0503020204020204" pitchFamily="34" charset="-122"/>
+                <a:ea typeface="Microsoft YaHei" panose="020B0503020204020204" pitchFamily="34" charset="-122"/>
+              </a:rPr>
+              <a:t>slave (</a:t>
+            </a:r>
+            <a:r>
+              <a:rPr lang="zh-CN" altLang="en-US" sz="800" dirty="0">
+                <a:solidFill>
+                  <a:schemeClr val="tx1">
+                    <a:lumMod val="75000"/>
+                    <a:lumOff val="25000"/>
+                  </a:schemeClr>
+                </a:solidFill>
+                <a:latin typeface="Microsoft YaHei" panose="020B0503020204020204" pitchFamily="34" charset="-122"/>
+                <a:ea typeface="Microsoft YaHei" panose="020B0503020204020204" pitchFamily="34" charset="-122"/>
+              </a:rPr>
+              <a:t>即 </a:t>
+            </a:r>
+            <a:r>
+              <a:rPr lang="en" altLang="zh-CN" sz="800" dirty="0">
+                <a:solidFill>
+                  <a:schemeClr val="tx1">
+                    <a:lumMod val="75000"/>
+                    <a:lumOff val="25000"/>
+                  </a:schemeClr>
+                </a:solidFill>
+                <a:latin typeface="Microsoft YaHei" panose="020B0503020204020204" pitchFamily="34" charset="-122"/>
+                <a:ea typeface="Microsoft YaHei" panose="020B0503020204020204" pitchFamily="34" charset="-122"/>
+              </a:rPr>
+              <a:t>canal )</a:t>
+            </a:r>
+            <a:r>
+              <a:rPr lang="zh-CN" altLang="en" sz="800" dirty="0">
+                <a:solidFill>
+                  <a:schemeClr val="tx1">
+                    <a:lumMod val="75000"/>
+                    <a:lumOff val="25000"/>
+                  </a:schemeClr>
+                </a:solidFill>
+                <a:latin typeface="Microsoft YaHei" panose="020B0503020204020204" pitchFamily="34" charset="-122"/>
+                <a:ea typeface="Microsoft YaHei" panose="020B0503020204020204" pitchFamily="34" charset="-122"/>
+              </a:rPr>
+              <a:t>，</a:t>
+            </a:r>
+            <a:r>
+              <a:rPr lang="en" altLang="zh-CN" sz="800" dirty="0">
+                <a:solidFill>
+                  <a:schemeClr val="tx1">
+                    <a:lumMod val="75000"/>
+                    <a:lumOff val="25000"/>
+                  </a:schemeClr>
+                </a:solidFill>
+                <a:latin typeface="Microsoft YaHei" panose="020B0503020204020204" pitchFamily="34" charset="-122"/>
+                <a:ea typeface="Microsoft YaHei" panose="020B0503020204020204" pitchFamily="34" charset="-122"/>
+              </a:rPr>
+              <a:t>canal </a:t>
+            </a:r>
+            <a:r>
+              <a:rPr lang="zh-CN" altLang="en-US" sz="800" dirty="0">
+                <a:solidFill>
+                  <a:schemeClr val="tx1">
+                    <a:lumMod val="75000"/>
+                    <a:lumOff val="25000"/>
+                  </a:schemeClr>
+                </a:solidFill>
+                <a:latin typeface="Microsoft YaHei" panose="020B0503020204020204" pitchFamily="34" charset="-122"/>
+                <a:ea typeface="Microsoft YaHei" panose="020B0503020204020204" pitchFamily="34" charset="-122"/>
+              </a:rPr>
+              <a:t>解析 </a:t>
+            </a:r>
+            <a:r>
+              <a:rPr lang="en" altLang="zh-CN" sz="800" dirty="0">
+                <a:solidFill>
+                  <a:schemeClr val="tx1">
+                    <a:lumMod val="75000"/>
+                    <a:lumOff val="25000"/>
+                  </a:schemeClr>
+                </a:solidFill>
+                <a:latin typeface="Microsoft YaHei" panose="020B0503020204020204" pitchFamily="34" charset="-122"/>
+                <a:ea typeface="Microsoft YaHei" panose="020B0503020204020204" pitchFamily="34" charset="-122"/>
+              </a:rPr>
+              <a:t>binary log </a:t>
+            </a:r>
+            <a:r>
+              <a:rPr lang="zh-CN" altLang="en-US" sz="800" dirty="0">
+                <a:solidFill>
+                  <a:schemeClr val="tx1">
+                    <a:lumMod val="75000"/>
+                    <a:lumOff val="25000"/>
+                  </a:schemeClr>
+                </a:solidFill>
+                <a:latin typeface="Microsoft YaHei" panose="020B0503020204020204" pitchFamily="34" charset="-122"/>
+                <a:ea typeface="Microsoft YaHei" panose="020B0503020204020204" pitchFamily="34" charset="-122"/>
+              </a:rPr>
+              <a:t>对象</a:t>
+            </a:r>
+            <a:r>
+              <a:rPr lang="en-US" altLang="zh-CN" sz="800" dirty="0">
+                <a:solidFill>
+                  <a:schemeClr val="tx1">
+                    <a:lumMod val="75000"/>
+                    <a:lumOff val="25000"/>
+                  </a:schemeClr>
+                </a:solidFill>
+                <a:latin typeface="Microsoft YaHei" panose="020B0503020204020204" pitchFamily="34" charset="-122"/>
+                <a:ea typeface="Microsoft YaHei" panose="020B0503020204020204" pitchFamily="34" charset="-122"/>
+              </a:rPr>
+              <a:t>(</a:t>
+            </a:r>
+            <a:r>
+              <a:rPr lang="zh-CN" altLang="en-US" sz="800" dirty="0">
+                <a:solidFill>
+                  <a:schemeClr val="tx1">
+                    <a:lumMod val="75000"/>
+                    <a:lumOff val="25000"/>
+                  </a:schemeClr>
+                </a:solidFill>
+                <a:latin typeface="Microsoft YaHei" panose="020B0503020204020204" pitchFamily="34" charset="-122"/>
+                <a:ea typeface="Microsoft YaHei" panose="020B0503020204020204" pitchFamily="34" charset="-122"/>
+              </a:rPr>
+              <a:t>原始为 </a:t>
+            </a:r>
+            <a:r>
+              <a:rPr lang="en" altLang="zh-CN" sz="800" dirty="0">
+                <a:solidFill>
+                  <a:schemeClr val="tx1">
+                    <a:lumMod val="75000"/>
+                    <a:lumOff val="25000"/>
+                  </a:schemeClr>
+                </a:solidFill>
+                <a:latin typeface="Microsoft YaHei" panose="020B0503020204020204" pitchFamily="34" charset="-122"/>
+                <a:ea typeface="Microsoft YaHei" panose="020B0503020204020204" pitchFamily="34" charset="-122"/>
+              </a:rPr>
+              <a:t>byte </a:t>
+            </a:r>
+            <a:r>
+              <a:rPr lang="zh-CN" altLang="en-US" sz="800" dirty="0">
+                <a:solidFill>
+                  <a:schemeClr val="tx1">
+                    <a:lumMod val="75000"/>
+                    <a:lumOff val="25000"/>
+                  </a:schemeClr>
+                </a:solidFill>
+                <a:latin typeface="Microsoft YaHei" panose="020B0503020204020204" pitchFamily="34" charset="-122"/>
+                <a:ea typeface="Microsoft YaHei" panose="020B0503020204020204" pitchFamily="34" charset="-122"/>
+              </a:rPr>
+              <a:t>流</a:t>
+            </a:r>
+            <a:r>
+              <a:rPr lang="en-US" altLang="zh-CN" sz="800" dirty="0">
+                <a:solidFill>
+                  <a:schemeClr val="tx1">
+                    <a:lumMod val="75000"/>
+                    <a:lumOff val="25000"/>
+                  </a:schemeClr>
+                </a:solidFill>
+                <a:latin typeface="Microsoft YaHei" panose="020B0503020204020204" pitchFamily="34" charset="-122"/>
+                <a:ea typeface="Microsoft YaHei" panose="020B0503020204020204" pitchFamily="34" charset="-122"/>
+              </a:rPr>
+              <a:t>)</a:t>
+            </a:r>
+            <a:r>
+              <a:rPr lang="zh-CN" altLang="en-US" sz="800" dirty="0">
+                <a:solidFill>
+                  <a:schemeClr val="tx1">
+                    <a:lumMod val="75000"/>
+                    <a:lumOff val="25000"/>
+                  </a:schemeClr>
+                </a:solidFill>
+                <a:latin typeface="Microsoft YaHei" panose="020B0503020204020204" pitchFamily="34" charset="-122"/>
+                <a:ea typeface="Microsoft YaHei" panose="020B0503020204020204" pitchFamily="34" charset="-122"/>
+              </a:rPr>
+              <a:t>，之后把数据转存到其他需要保存的服务中。文档：</a:t>
+            </a:r>
+            <a:r>
+              <a:rPr lang="en" altLang="zh-CN" sz="800" dirty="0">
+                <a:solidFill>
+                  <a:schemeClr val="tx1">
+                    <a:lumMod val="75000"/>
+                    <a:lumOff val="25000"/>
+                  </a:schemeClr>
+                </a:solidFill>
+                <a:latin typeface="Microsoft YaHei" panose="020B0503020204020204" pitchFamily="34" charset="-122"/>
+                <a:ea typeface="Microsoft YaHei" panose="020B0503020204020204" pitchFamily="34" charset="-122"/>
+              </a:rPr>
+              <a:t>https://</a:t>
+            </a:r>
+            <a:r>
+              <a:rPr lang="en" altLang="zh-CN" sz="800" dirty="0" err="1">
+                <a:solidFill>
+                  <a:schemeClr val="tx1">
+                    <a:lumMod val="75000"/>
+                    <a:lumOff val="25000"/>
+                  </a:schemeClr>
+                </a:solidFill>
+                <a:latin typeface="Microsoft YaHei" panose="020B0503020204020204" pitchFamily="34" charset="-122"/>
+                <a:ea typeface="Microsoft YaHei" panose="020B0503020204020204" pitchFamily="34" charset="-122"/>
+              </a:rPr>
+              <a:t>github.com</a:t>
+            </a:r>
+            <a:r>
+              <a:rPr lang="en" altLang="zh-CN" sz="800" dirty="0">
+                <a:solidFill>
+                  <a:schemeClr val="tx1">
+                    <a:lumMod val="75000"/>
+                    <a:lumOff val="25000"/>
+                  </a:schemeClr>
+                </a:solidFill>
+                <a:latin typeface="Microsoft YaHei" panose="020B0503020204020204" pitchFamily="34" charset="-122"/>
+                <a:ea typeface="Microsoft YaHei" panose="020B0503020204020204" pitchFamily="34" charset="-122"/>
+              </a:rPr>
+              <a:t>/</a:t>
+            </a:r>
+            <a:r>
+              <a:rPr lang="en" altLang="zh-CN" sz="800" dirty="0" err="1">
+                <a:solidFill>
+                  <a:schemeClr val="tx1">
+                    <a:lumMod val="75000"/>
+                    <a:lumOff val="25000"/>
+                  </a:schemeClr>
+                </a:solidFill>
+                <a:latin typeface="Microsoft YaHei" panose="020B0503020204020204" pitchFamily="34" charset="-122"/>
+                <a:ea typeface="Microsoft YaHei" panose="020B0503020204020204" pitchFamily="34" charset="-122"/>
+              </a:rPr>
+              <a:t>alibaba</a:t>
+            </a:r>
+            <a:r>
+              <a:rPr lang="en" altLang="zh-CN" sz="800" dirty="0">
+                <a:solidFill>
+                  <a:schemeClr val="tx1">
+                    <a:lumMod val="75000"/>
+                    <a:lumOff val="25000"/>
+                  </a:schemeClr>
+                </a:solidFill>
+                <a:latin typeface="Microsoft YaHei" panose="020B0503020204020204" pitchFamily="34" charset="-122"/>
+                <a:ea typeface="Microsoft YaHei" panose="020B0503020204020204" pitchFamily="34" charset="-122"/>
+              </a:rPr>
+              <a:t>/canal/wiki</a:t>
+            </a:r>
+            <a:br>
+              <a:rPr lang="en" altLang="zh-CN" sz="800" dirty="0">
+                <a:solidFill>
+                  <a:schemeClr val="tx1">
+                    <a:lumMod val="75000"/>
+                    <a:lumOff val="25000"/>
+                  </a:schemeClr>
+                </a:solidFill>
+                <a:latin typeface="Microsoft YaHei" panose="020B0503020204020204" pitchFamily="34" charset="-122"/>
+                <a:ea typeface="Microsoft YaHei" panose="020B0503020204020204" pitchFamily="34" charset="-122"/>
+              </a:rPr>
+            </a:br>
+            <a:endParaRPr lang="en" altLang="zh-CN" sz="800" dirty="0">
+              <a:solidFill>
+                <a:schemeClr val="tx1">
+                  <a:lumMod val="75000"/>
+                  <a:lumOff val="25000"/>
+                </a:schemeClr>
+              </a:solidFill>
+              <a:latin typeface="Microsoft YaHei" panose="020B0503020204020204" pitchFamily="34" charset="-122"/>
+              <a:ea typeface="Microsoft YaHei" panose="020B0503020204020204" pitchFamily="34" charset="-122"/>
+            </a:endParaRPr>
+          </a:p>
+          <a:p>
+            <a:pPr marL="171450" indent="-171450">
+              <a:buFont typeface="Arial" panose="020B0604020202020204" pitchFamily="34" charset="0"/>
+              <a:buChar char="•"/>
+            </a:pPr>
+            <a:r>
+              <a:rPr lang="zh-CN" altLang="en-US" sz="800" dirty="0">
+                <a:solidFill>
+                  <a:schemeClr val="tx1">
+                    <a:lumMod val="75000"/>
+                    <a:lumOff val="25000"/>
+                  </a:schemeClr>
+                </a:solidFill>
+                <a:latin typeface="Microsoft YaHei" panose="020B0503020204020204" pitchFamily="34" charset="-122"/>
+                <a:ea typeface="Microsoft YaHei" panose="020B0503020204020204" pitchFamily="34" charset="-122"/>
+              </a:rPr>
+              <a:t>本章节我们会在 </a:t>
+            </a:r>
+            <a:r>
+              <a:rPr lang="en" altLang="zh-CN" sz="800" dirty="0">
+                <a:solidFill>
+                  <a:schemeClr val="tx1">
+                    <a:lumMod val="75000"/>
+                    <a:lumOff val="25000"/>
+                  </a:schemeClr>
+                </a:solidFill>
+                <a:latin typeface="Microsoft YaHei" panose="020B0503020204020204" pitchFamily="34" charset="-122"/>
+                <a:ea typeface="Microsoft YaHei" panose="020B0503020204020204" pitchFamily="34" charset="-122"/>
+              </a:rPr>
+              <a:t>docker </a:t>
+            </a:r>
+            <a:r>
+              <a:rPr lang="zh-CN" altLang="en-US" sz="800" dirty="0">
+                <a:solidFill>
+                  <a:schemeClr val="tx1">
+                    <a:lumMod val="75000"/>
+                    <a:lumOff val="25000"/>
+                  </a:schemeClr>
+                </a:solidFill>
+                <a:latin typeface="Microsoft YaHei" panose="020B0503020204020204" pitchFamily="34" charset="-122"/>
+                <a:ea typeface="Microsoft YaHei" panose="020B0503020204020204" pitchFamily="34" charset="-122"/>
+              </a:rPr>
+              <a:t>环境，把 </a:t>
+            </a:r>
+            <a:r>
+              <a:rPr lang="en" altLang="zh-CN" sz="800" dirty="0" err="1">
+                <a:solidFill>
+                  <a:schemeClr val="tx1">
+                    <a:lumMod val="75000"/>
+                    <a:lumOff val="25000"/>
+                  </a:schemeClr>
+                </a:solidFill>
+                <a:latin typeface="Microsoft YaHei" panose="020B0503020204020204" pitchFamily="34" charset="-122"/>
+                <a:ea typeface="Microsoft YaHei" panose="020B0503020204020204" pitchFamily="34" charset="-122"/>
+              </a:rPr>
+              <a:t>Mysql</a:t>
+            </a:r>
+            <a:r>
+              <a:rPr lang="en" altLang="zh-CN" sz="800" dirty="0">
+                <a:solidFill>
+                  <a:schemeClr val="tx1">
+                    <a:lumMod val="75000"/>
+                    <a:lumOff val="25000"/>
+                  </a:schemeClr>
+                </a:solidFill>
+                <a:latin typeface="Microsoft YaHei" panose="020B0503020204020204" pitchFamily="34" charset="-122"/>
+                <a:ea typeface="Microsoft YaHei" panose="020B0503020204020204" pitchFamily="34" charset="-122"/>
+              </a:rPr>
+              <a:t> </a:t>
+            </a:r>
+            <a:r>
+              <a:rPr lang="zh-CN" altLang="en-US" sz="800" dirty="0">
+                <a:solidFill>
+                  <a:schemeClr val="tx1">
+                    <a:lumMod val="75000"/>
+                    <a:lumOff val="25000"/>
+                  </a:schemeClr>
+                </a:solidFill>
+                <a:latin typeface="Microsoft YaHei" panose="020B0503020204020204" pitchFamily="34" charset="-122"/>
+                <a:ea typeface="Microsoft YaHei" panose="020B0503020204020204" pitchFamily="34" charset="-122"/>
+              </a:rPr>
+              <a:t>数据库中抽奖系统的分库分表数据使用 </a:t>
+            </a:r>
+            <a:r>
+              <a:rPr lang="en" altLang="zh-CN" sz="800" dirty="0">
+                <a:solidFill>
+                  <a:schemeClr val="tx1">
+                    <a:lumMod val="75000"/>
+                    <a:lumOff val="25000"/>
+                  </a:schemeClr>
+                </a:solidFill>
+                <a:latin typeface="Microsoft YaHei" panose="020B0503020204020204" pitchFamily="34" charset="-122"/>
+                <a:ea typeface="Microsoft YaHei" panose="020B0503020204020204" pitchFamily="34" charset="-122"/>
+              </a:rPr>
+              <a:t>canal </a:t>
+            </a:r>
+            <a:r>
+              <a:rPr lang="zh-CN" altLang="en-US" sz="800" dirty="0">
+                <a:solidFill>
+                  <a:schemeClr val="tx1">
+                    <a:lumMod val="75000"/>
+                    <a:lumOff val="25000"/>
+                  </a:schemeClr>
+                </a:solidFill>
+                <a:latin typeface="Microsoft YaHei" panose="020B0503020204020204" pitchFamily="34" charset="-122"/>
+                <a:ea typeface="Microsoft YaHei" panose="020B0503020204020204" pitchFamily="34" charset="-122"/>
+              </a:rPr>
+              <a:t>同步到 </a:t>
+            </a:r>
+            <a:r>
+              <a:rPr lang="en" altLang="zh-CN" sz="800" dirty="0">
+                <a:solidFill>
+                  <a:schemeClr val="tx1">
+                    <a:lumMod val="75000"/>
+                    <a:lumOff val="25000"/>
+                  </a:schemeClr>
+                </a:solidFill>
+                <a:latin typeface="Microsoft YaHei" panose="020B0503020204020204" pitchFamily="34" charset="-122"/>
+                <a:ea typeface="Microsoft YaHei" panose="020B0503020204020204" pitchFamily="34" charset="-122"/>
+              </a:rPr>
+              <a:t>ES </a:t>
+            </a:r>
+            <a:r>
+              <a:rPr lang="zh-CN" altLang="en-US" sz="800" dirty="0">
+                <a:solidFill>
+                  <a:schemeClr val="tx1">
+                    <a:lumMod val="75000"/>
+                    <a:lumOff val="25000"/>
+                  </a:schemeClr>
+                </a:solidFill>
+                <a:latin typeface="Microsoft YaHei" panose="020B0503020204020204" pitchFamily="34" charset="-122"/>
+                <a:ea typeface="Microsoft YaHei" panose="020B0503020204020204" pitchFamily="34" charset="-122"/>
+              </a:rPr>
+              <a:t>文件系统中</a:t>
+            </a:r>
+          </a:p>
+        </p:txBody>
+      </p:sp>
+      <p:pic>
+        <p:nvPicPr>
+          <p:cNvPr id="7" name="图片 6">
+            <a:extLst>
+              <a:ext uri="{FF2B5EF4-FFF2-40B4-BE49-F238E27FC236}">
+                <a16:creationId xmlns:a16="http://schemas.microsoft.com/office/drawing/2014/main" id="{D246B188-6766-F241-A4A9-B4C529E2D0A0}"/>
+              </a:ext>
+            </a:extLst>
+          </p:cNvPr>
+          <p:cNvPicPr>
+            <a:picLocks noChangeAspect="1"/>
+          </p:cNvPicPr>
+          <p:nvPr/>
+        </p:nvPicPr>
+        <p:blipFill>
+          <a:blip r:embed="rId2">
+            <a:extLst>
+              <a:ext uri="{28A0092B-C50C-407E-A947-70E740481C1C}">
+                <a14:useLocalDpi xmlns:a14="http://schemas.microsoft.com/office/drawing/2010/main" val="0"/>
+              </a:ext>
+            </a:extLst>
+          </a:blip>
+          <a:srcRect/>
+          <a:stretch/>
+        </p:blipFill>
+        <p:spPr>
+          <a:xfrm>
+            <a:off x="2262495" y="588866"/>
+            <a:ext cx="515318" cy="515318"/>
+          </a:xfrm>
+          <a:prstGeom prst="rect">
+            <a:avLst/>
+          </a:prstGeom>
+        </p:spPr>
+      </p:pic>
+    </p:spTree>
+    <p:extLst>
+      <p:ext uri="{BB962C8B-B14F-4D97-AF65-F5344CB8AC3E}">
+        <p14:creationId xmlns:p14="http://schemas.microsoft.com/office/powerpoint/2010/main" val="706692388"/>
+      </p:ext>
+    </p:extLst>
+  </p:cSld>
+  <p:clrMapOvr>
+    <a:masterClrMapping/>
+  </p:clrMapOvr>
+</p:sld>
+</file>
+
 <file path=ppt/slides/slide2.xml><?xml version="1.0" encoding="utf-8"?>
 <p:sld xmlns:a="http://schemas.openxmlformats.org/drawingml/2006/main" xmlns:r="http://schemas.openxmlformats.org/officeDocument/2006/relationships" xmlns:p="http://schemas.openxmlformats.org/presentationml/2006/main">
   <p:cSld>
@@ -11237,6 +12795,601 @@
     <p:extLst>
       <p:ext uri="{BB962C8B-B14F-4D97-AF65-F5344CB8AC3E}">
         <p14:creationId xmlns:p14="http://schemas.microsoft.com/office/powerpoint/2010/main" val="2777339791"/>
+      </p:ext>
+    </p:extLst>
+  </p:cSld>
+  <p:clrMapOvr>
+    <a:masterClrMapping/>
+  </p:clrMapOvr>
+</p:sld>
+</file>
+
+<file path=ppt/slides/slide8.xml><?xml version="1.0" encoding="utf-8"?>
+<p:sld xmlns:a="http://schemas.openxmlformats.org/drawingml/2006/main" xmlns:r="http://schemas.openxmlformats.org/officeDocument/2006/relationships" xmlns:p="http://schemas.openxmlformats.org/presentationml/2006/main">
+  <p:cSld>
+    <p:spTree>
+      <p:nvGrpSpPr>
+        <p:cNvPr id="1" name=""/>
+        <p:cNvGrpSpPr/>
+        <p:nvPr/>
+      </p:nvGrpSpPr>
+      <p:grpSpPr>
+        <a:xfrm>
+          <a:off x="0" y="0"/>
+          <a:ext cx="0" cy="0"/>
+          <a:chOff x="0" y="0"/>
+          <a:chExt cx="0" cy="0"/>
+        </a:xfrm>
+      </p:grpSpPr>
+      <p:sp>
+        <p:nvSpPr>
+          <p:cNvPr id="3" name="矩形 2">
+            <a:extLst>
+              <a:ext uri="{FF2B5EF4-FFF2-40B4-BE49-F238E27FC236}">
+                <a16:creationId xmlns:a16="http://schemas.microsoft.com/office/drawing/2014/main" id="{01E47C42-3A0F-AE4F-9D52-DD7C0E71E04A}"/>
+              </a:ext>
+            </a:extLst>
+          </p:cNvPr>
+          <p:cNvSpPr/>
+          <p:nvPr/>
+        </p:nvSpPr>
+        <p:spPr>
+          <a:xfrm>
+            <a:off x="1" y="1297555"/>
+            <a:ext cx="5040312" cy="369332"/>
+          </a:xfrm>
+          <a:prstGeom prst="rect">
+            <a:avLst/>
+          </a:prstGeom>
+        </p:spPr>
+        <p:txBody>
+          <a:bodyPr wrap="square">
+            <a:spAutoFit/>
+          </a:bodyPr>
+          <a:lstStyle/>
+          <a:p>
+            <a:pPr algn="ctr"/>
+            <a:r>
+              <a:rPr lang="zh-CN" altLang="en-US" sz="1800" dirty="0"/>
+              <a:t>第</a:t>
+            </a:r>
+            <a:r>
+              <a:rPr lang="en-US" altLang="zh-CN" sz="1800" dirty="0"/>
+              <a:t>07</a:t>
+            </a:r>
+            <a:r>
+              <a:rPr lang="zh-CN" altLang="en-US" sz="1800" dirty="0"/>
+              <a:t>节：部署环境 </a:t>
+            </a:r>
+            <a:r>
+              <a:rPr lang="en" altLang="zh-CN" sz="1800" dirty="0"/>
+              <a:t>Elasticsearch</a:t>
+            </a:r>
+            <a:r>
+              <a:rPr lang="zh-CN" altLang="en" sz="1800" dirty="0"/>
+              <a:t>、</a:t>
+            </a:r>
+            <a:r>
+              <a:rPr lang="en" altLang="zh-CN" sz="1800" dirty="0"/>
+              <a:t>Kibana</a:t>
+            </a:r>
+            <a:endParaRPr lang="zh-CN" altLang="en-US" sz="1800" dirty="0"/>
+          </a:p>
+        </p:txBody>
+      </p:sp>
+      <p:sp>
+        <p:nvSpPr>
+          <p:cNvPr id="11" name="矩形 10">
+            <a:extLst>
+              <a:ext uri="{FF2B5EF4-FFF2-40B4-BE49-F238E27FC236}">
+                <a16:creationId xmlns:a16="http://schemas.microsoft.com/office/drawing/2014/main" id="{3BFD82CE-F64F-3D4E-A4C8-923660A6B63B}"/>
+              </a:ext>
+            </a:extLst>
+          </p:cNvPr>
+          <p:cNvSpPr/>
+          <p:nvPr/>
+        </p:nvSpPr>
+        <p:spPr>
+          <a:xfrm>
+            <a:off x="1" y="56943"/>
+            <a:ext cx="2815193" cy="338554"/>
+          </a:xfrm>
+          <a:prstGeom prst="rect">
+            <a:avLst/>
+          </a:prstGeom>
+          <a:noFill/>
+        </p:spPr>
+        <p:txBody>
+          <a:bodyPr wrap="none" lIns="91440" tIns="45720" rIns="91440" bIns="45720">
+            <a:spAutoFit/>
+          </a:bodyPr>
+          <a:lstStyle/>
+          <a:p>
+            <a:pPr algn="ctr"/>
+            <a:r>
+              <a:rPr lang="zh-CN" altLang="en-US" sz="1600" b="1" cap="none" spc="0" dirty="0">
+                <a:ln w="12700">
+                  <a:solidFill>
+                    <a:schemeClr val="accent5"/>
+                  </a:solidFill>
+                  <a:prstDash val="solid"/>
+                </a:ln>
+                <a:pattFill prst="ltDnDiag">
+                  <a:fgClr>
+                    <a:schemeClr val="accent5">
+                      <a:lumMod val="60000"/>
+                      <a:lumOff val="40000"/>
+                    </a:schemeClr>
+                  </a:fgClr>
+                  <a:bgClr>
+                    <a:schemeClr val="bg1"/>
+                  </a:bgClr>
+                </a:pattFill>
+                <a:effectLst/>
+              </a:rPr>
+              <a:t>抽奖系统 </a:t>
+            </a:r>
+            <a:r>
+              <a:rPr lang="en-US" altLang="zh-CN" sz="1600" b="1" cap="none" spc="0" dirty="0">
+                <a:ln w="12700">
+                  <a:solidFill>
+                    <a:schemeClr val="accent5"/>
+                  </a:solidFill>
+                  <a:prstDash val="solid"/>
+                </a:ln>
+                <a:pattFill prst="ltDnDiag">
+                  <a:fgClr>
+                    <a:schemeClr val="accent5">
+                      <a:lumMod val="60000"/>
+                      <a:lumOff val="40000"/>
+                    </a:schemeClr>
+                  </a:fgClr>
+                  <a:bgClr>
+                    <a:schemeClr val="bg1"/>
+                  </a:bgClr>
+                </a:pattFill>
+                <a:effectLst/>
+              </a:rPr>
+              <a:t>·</a:t>
+            </a:r>
+            <a:r>
+              <a:rPr lang="zh-CN" altLang="en-US" sz="1600" b="1" cap="none" spc="0" dirty="0">
+                <a:ln w="12700">
+                  <a:solidFill>
+                    <a:schemeClr val="accent5"/>
+                  </a:solidFill>
+                  <a:prstDash val="solid"/>
+                </a:ln>
+                <a:pattFill prst="ltDnDiag">
+                  <a:fgClr>
+                    <a:schemeClr val="accent5">
+                      <a:lumMod val="60000"/>
+                      <a:lumOff val="40000"/>
+                    </a:schemeClr>
+                  </a:fgClr>
+                  <a:bgClr>
+                    <a:schemeClr val="bg1"/>
+                  </a:bgClr>
+                </a:pattFill>
+                <a:effectLst/>
+              </a:rPr>
+              <a:t> 第</a:t>
+            </a:r>
+            <a:r>
+              <a:rPr lang="en-US" altLang="zh-CN" sz="1600" b="1" cap="none" spc="0" dirty="0">
+                <a:ln w="12700">
+                  <a:solidFill>
+                    <a:schemeClr val="accent5"/>
+                  </a:solidFill>
+                  <a:prstDash val="solid"/>
+                </a:ln>
+                <a:pattFill prst="ltDnDiag">
+                  <a:fgClr>
+                    <a:schemeClr val="accent5">
+                      <a:lumMod val="60000"/>
+                      <a:lumOff val="40000"/>
+                    </a:schemeClr>
+                  </a:fgClr>
+                  <a:bgClr>
+                    <a:schemeClr val="bg1"/>
+                  </a:bgClr>
+                </a:pattFill>
+                <a:effectLst/>
+              </a:rPr>
+              <a:t>5</a:t>
+            </a:r>
+            <a:r>
+              <a:rPr lang="zh-CN" altLang="en-US" sz="1600" b="1" cap="none" spc="0" dirty="0">
+                <a:ln w="12700">
+                  <a:solidFill>
+                    <a:schemeClr val="accent5"/>
+                  </a:solidFill>
+                  <a:prstDash val="solid"/>
+                </a:ln>
+                <a:pattFill prst="ltDnDiag">
+                  <a:fgClr>
+                    <a:schemeClr val="accent5">
+                      <a:lumMod val="60000"/>
+                      <a:lumOff val="40000"/>
+                    </a:schemeClr>
+                  </a:fgClr>
+                  <a:bgClr>
+                    <a:schemeClr val="bg1"/>
+                  </a:bgClr>
+                </a:pattFill>
+                <a:effectLst/>
+              </a:rPr>
+              <a:t>部分 系统运维</a:t>
+            </a:r>
+          </a:p>
+        </p:txBody>
+      </p:sp>
+      <p:sp>
+        <p:nvSpPr>
+          <p:cNvPr id="2" name="矩形 1">
+            <a:extLst>
+              <a:ext uri="{FF2B5EF4-FFF2-40B4-BE49-F238E27FC236}">
+                <a16:creationId xmlns:a16="http://schemas.microsoft.com/office/drawing/2014/main" id="{9DBC7427-2BE1-C246-A1BD-FCD4832FA2DE}"/>
+              </a:ext>
+            </a:extLst>
+          </p:cNvPr>
+          <p:cNvSpPr/>
+          <p:nvPr/>
+        </p:nvSpPr>
+        <p:spPr>
+          <a:xfrm>
+            <a:off x="160071" y="2015669"/>
+            <a:ext cx="4720168" cy="584775"/>
+          </a:xfrm>
+          <a:prstGeom prst="rect">
+            <a:avLst/>
+          </a:prstGeom>
+        </p:spPr>
+        <p:txBody>
+          <a:bodyPr wrap="square">
+            <a:spAutoFit/>
+          </a:bodyPr>
+          <a:lstStyle/>
+          <a:p>
+            <a:pPr marL="171450" indent="-171450">
+              <a:buFont typeface="Arial" panose="020B0604020202020204" pitchFamily="34" charset="0"/>
+              <a:buChar char="•"/>
+            </a:pPr>
+            <a:r>
+              <a:rPr lang="zh-CN" altLang="en-US" sz="800" dirty="0">
+                <a:solidFill>
+                  <a:schemeClr val="tx1">
+                    <a:lumMod val="75000"/>
+                    <a:lumOff val="25000"/>
+                  </a:schemeClr>
+                </a:solidFill>
+                <a:latin typeface="Microsoft YaHei" panose="020B0503020204020204" pitchFamily="34" charset="-122"/>
+                <a:ea typeface="Microsoft YaHei" panose="020B0503020204020204" pitchFamily="34" charset="-122"/>
+              </a:rPr>
+              <a:t>在 </a:t>
+            </a:r>
+            <a:r>
+              <a:rPr lang="en" altLang="zh-CN" sz="800" dirty="0">
+                <a:solidFill>
+                  <a:schemeClr val="tx1">
+                    <a:lumMod val="75000"/>
+                    <a:lumOff val="25000"/>
+                  </a:schemeClr>
+                </a:solidFill>
+                <a:latin typeface="Microsoft YaHei" panose="020B0503020204020204" pitchFamily="34" charset="-122"/>
+                <a:ea typeface="Microsoft YaHei" panose="020B0503020204020204" pitchFamily="34" charset="-122"/>
+              </a:rPr>
+              <a:t>Docker </a:t>
+            </a:r>
+            <a:r>
+              <a:rPr lang="zh-CN" altLang="en-US" sz="800" dirty="0">
+                <a:solidFill>
+                  <a:schemeClr val="tx1">
+                    <a:lumMod val="75000"/>
+                    <a:lumOff val="25000"/>
+                  </a:schemeClr>
+                </a:solidFill>
+                <a:latin typeface="Microsoft YaHei" panose="020B0503020204020204" pitchFamily="34" charset="-122"/>
+                <a:ea typeface="Microsoft YaHei" panose="020B0503020204020204" pitchFamily="34" charset="-122"/>
+              </a:rPr>
+              <a:t>环境安装 </a:t>
+            </a:r>
+            <a:r>
+              <a:rPr lang="en" altLang="zh-CN" sz="800" dirty="0">
+                <a:solidFill>
+                  <a:schemeClr val="tx1">
+                    <a:lumMod val="75000"/>
+                    <a:lumOff val="25000"/>
+                  </a:schemeClr>
+                </a:solidFill>
+                <a:latin typeface="Microsoft YaHei" panose="020B0503020204020204" pitchFamily="34" charset="-122"/>
+                <a:ea typeface="Microsoft YaHei" panose="020B0503020204020204" pitchFamily="34" charset="-122"/>
+              </a:rPr>
+              <a:t>Elasticsearch 7.6.2 </a:t>
+            </a:r>
+            <a:r>
+              <a:rPr lang="zh-CN" altLang="en-US" sz="800" dirty="0">
+                <a:solidFill>
+                  <a:schemeClr val="tx1">
+                    <a:lumMod val="75000"/>
+                    <a:lumOff val="25000"/>
+                  </a:schemeClr>
+                </a:solidFill>
+                <a:latin typeface="Microsoft YaHei" panose="020B0503020204020204" pitchFamily="34" charset="-122"/>
+                <a:ea typeface="Microsoft YaHei" panose="020B0503020204020204" pitchFamily="34" charset="-122"/>
+              </a:rPr>
+              <a:t>版本</a:t>
+            </a:r>
+            <a:endParaRPr lang="en-US" altLang="zh-CN" sz="800" dirty="0">
+              <a:solidFill>
+                <a:schemeClr val="tx1">
+                  <a:lumMod val="75000"/>
+                  <a:lumOff val="25000"/>
+                </a:schemeClr>
+              </a:solidFill>
+              <a:latin typeface="Microsoft YaHei" panose="020B0503020204020204" pitchFamily="34" charset="-122"/>
+              <a:ea typeface="Microsoft YaHei" panose="020B0503020204020204" pitchFamily="34" charset="-122"/>
+            </a:endParaRPr>
+          </a:p>
+          <a:p>
+            <a:pPr marL="171450" indent="-171450">
+              <a:buFont typeface="Arial" panose="020B0604020202020204" pitchFamily="34" charset="0"/>
+              <a:buChar char="•"/>
+            </a:pPr>
+            <a:endParaRPr lang="en-US" altLang="zh-CN" sz="800" dirty="0">
+              <a:solidFill>
+                <a:schemeClr val="tx1">
+                  <a:lumMod val="75000"/>
+                  <a:lumOff val="25000"/>
+                </a:schemeClr>
+              </a:solidFill>
+              <a:latin typeface="Microsoft YaHei" panose="020B0503020204020204" pitchFamily="34" charset="-122"/>
+              <a:ea typeface="Microsoft YaHei" panose="020B0503020204020204" pitchFamily="34" charset="-122"/>
+            </a:endParaRPr>
+          </a:p>
+          <a:p>
+            <a:pPr marL="171450" indent="-171450">
+              <a:buFont typeface="Arial" panose="020B0604020202020204" pitchFamily="34" charset="0"/>
+              <a:buChar char="•"/>
+            </a:pPr>
+            <a:r>
+              <a:rPr lang="zh-CN" altLang="en-US" sz="800" dirty="0">
+                <a:solidFill>
+                  <a:schemeClr val="tx1">
+                    <a:lumMod val="75000"/>
+                    <a:lumOff val="25000"/>
+                  </a:schemeClr>
+                </a:solidFill>
+                <a:latin typeface="Microsoft YaHei" panose="020B0503020204020204" pitchFamily="34" charset="-122"/>
+                <a:ea typeface="Microsoft YaHei" panose="020B0503020204020204" pitchFamily="34" charset="-122"/>
+              </a:rPr>
+              <a:t>对 </a:t>
+            </a:r>
+            <a:r>
+              <a:rPr lang="en" altLang="zh-CN" sz="800" dirty="0">
+                <a:solidFill>
+                  <a:schemeClr val="tx1">
+                    <a:lumMod val="75000"/>
+                    <a:lumOff val="25000"/>
+                  </a:schemeClr>
+                </a:solidFill>
+                <a:latin typeface="Microsoft YaHei" panose="020B0503020204020204" pitchFamily="34" charset="-122"/>
+                <a:ea typeface="Microsoft YaHei" panose="020B0503020204020204" pitchFamily="34" charset="-122"/>
+              </a:rPr>
+              <a:t>Elasticsearch </a:t>
+            </a:r>
+            <a:r>
+              <a:rPr lang="zh-CN" altLang="en-US" sz="800" dirty="0">
+                <a:solidFill>
+                  <a:schemeClr val="tx1">
+                    <a:lumMod val="75000"/>
+                    <a:lumOff val="25000"/>
+                  </a:schemeClr>
+                </a:solidFill>
+                <a:latin typeface="Microsoft YaHei" panose="020B0503020204020204" pitchFamily="34" charset="-122"/>
+                <a:ea typeface="Microsoft YaHei" panose="020B0503020204020204" pitchFamily="34" charset="-122"/>
+              </a:rPr>
+              <a:t>中的 </a:t>
+            </a:r>
+            <a:r>
+              <a:rPr lang="en-US" altLang="zh-CN" sz="800" dirty="0">
+                <a:solidFill>
+                  <a:schemeClr val="tx1">
+                    <a:lumMod val="75000"/>
+                    <a:lumOff val="25000"/>
+                  </a:schemeClr>
+                </a:solidFill>
+                <a:latin typeface="Microsoft YaHei" panose="020B0503020204020204" pitchFamily="34" charset="-122"/>
+                <a:ea typeface="Microsoft YaHei" panose="020B0503020204020204" pitchFamily="34" charset="-122"/>
+              </a:rPr>
+              <a:t>`</a:t>
+            </a:r>
+            <a:r>
+              <a:rPr lang="en" altLang="zh-CN" sz="800" dirty="0">
+                <a:solidFill>
+                  <a:schemeClr val="tx1">
+                    <a:lumMod val="75000"/>
+                    <a:lumOff val="25000"/>
+                  </a:schemeClr>
+                </a:solidFill>
+                <a:latin typeface="Microsoft YaHei" panose="020B0503020204020204" pitchFamily="34" charset="-122"/>
+                <a:ea typeface="Microsoft YaHei" panose="020B0503020204020204" pitchFamily="34" charset="-122"/>
+              </a:rPr>
+              <a:t>x-pack-core-7.6.2.jar` </a:t>
+            </a:r>
+            <a:r>
+              <a:rPr lang="zh-CN" altLang="en-US" sz="800" dirty="0">
+                <a:solidFill>
+                  <a:schemeClr val="tx1">
+                    <a:lumMod val="75000"/>
+                    <a:lumOff val="25000"/>
+                  </a:schemeClr>
+                </a:solidFill>
+                <a:latin typeface="Microsoft YaHei" panose="020B0503020204020204" pitchFamily="34" charset="-122"/>
+                <a:ea typeface="Microsoft YaHei" panose="020B0503020204020204" pitchFamily="34" charset="-122"/>
+              </a:rPr>
+              <a:t>进行破解，满足于在安装使用 </a:t>
+            </a:r>
+            <a:r>
+              <a:rPr lang="en" altLang="zh-CN" sz="800" dirty="0">
+                <a:solidFill>
+                  <a:schemeClr val="tx1">
+                    <a:lumMod val="75000"/>
+                    <a:lumOff val="25000"/>
+                  </a:schemeClr>
+                </a:solidFill>
+                <a:latin typeface="Microsoft YaHei" panose="020B0503020204020204" pitchFamily="34" charset="-122"/>
+                <a:ea typeface="Microsoft YaHei" panose="020B0503020204020204" pitchFamily="34" charset="-122"/>
+              </a:rPr>
+              <a:t>Kibana </a:t>
+            </a:r>
+            <a:r>
+              <a:rPr lang="zh-CN" altLang="en-US" sz="800" dirty="0">
+                <a:solidFill>
+                  <a:schemeClr val="tx1">
+                    <a:lumMod val="75000"/>
+                    <a:lumOff val="25000"/>
+                  </a:schemeClr>
+                </a:solidFill>
+                <a:latin typeface="Microsoft YaHei" panose="020B0503020204020204" pitchFamily="34" charset="-122"/>
+                <a:ea typeface="Microsoft YaHei" panose="020B0503020204020204" pitchFamily="34" charset="-122"/>
+              </a:rPr>
+              <a:t>时可以使用 </a:t>
+            </a:r>
+            <a:r>
+              <a:rPr lang="en" altLang="zh-CN" sz="800" dirty="0">
+                <a:solidFill>
+                  <a:schemeClr val="tx1">
+                    <a:lumMod val="75000"/>
+                    <a:lumOff val="25000"/>
+                  </a:schemeClr>
+                </a:solidFill>
+                <a:latin typeface="Microsoft YaHei" panose="020B0503020204020204" pitchFamily="34" charset="-122"/>
+                <a:ea typeface="Microsoft YaHei" panose="020B0503020204020204" pitchFamily="34" charset="-122"/>
+              </a:rPr>
+              <a:t>JDBC </a:t>
+            </a:r>
+            <a:r>
+              <a:rPr lang="zh-CN" altLang="en-US" sz="800" dirty="0">
+                <a:solidFill>
+                  <a:schemeClr val="tx1">
+                    <a:lumMod val="75000"/>
+                    <a:lumOff val="25000"/>
+                  </a:schemeClr>
+                </a:solidFill>
+                <a:latin typeface="Microsoft YaHei" panose="020B0503020204020204" pitchFamily="34" charset="-122"/>
+                <a:ea typeface="Microsoft YaHei" panose="020B0503020204020204" pitchFamily="34" charset="-122"/>
+              </a:rPr>
+              <a:t>能力</a:t>
+            </a:r>
+          </a:p>
+        </p:txBody>
+      </p:sp>
+      <p:pic>
+        <p:nvPicPr>
+          <p:cNvPr id="7" name="图片 6">
+            <a:extLst>
+              <a:ext uri="{FF2B5EF4-FFF2-40B4-BE49-F238E27FC236}">
+                <a16:creationId xmlns:a16="http://schemas.microsoft.com/office/drawing/2014/main" id="{D246B188-6766-F241-A4A9-B4C529E2D0A0}"/>
+              </a:ext>
+            </a:extLst>
+          </p:cNvPr>
+          <p:cNvPicPr>
+            <a:picLocks noChangeAspect="1"/>
+          </p:cNvPicPr>
+          <p:nvPr/>
+        </p:nvPicPr>
+        <p:blipFill>
+          <a:blip r:embed="rId2">
+            <a:extLst>
+              <a:ext uri="{28A0092B-C50C-407E-A947-70E740481C1C}">
+                <a14:useLocalDpi xmlns:a14="http://schemas.microsoft.com/office/drawing/2010/main" val="0"/>
+              </a:ext>
+            </a:extLst>
+          </a:blip>
+          <a:srcRect/>
+          <a:stretch/>
+        </p:blipFill>
+        <p:spPr>
+          <a:xfrm>
+            <a:off x="2262495" y="588866"/>
+            <a:ext cx="515318" cy="515318"/>
+          </a:xfrm>
+          <a:prstGeom prst="rect">
+            <a:avLst/>
+          </a:prstGeom>
+        </p:spPr>
+      </p:pic>
+    </p:spTree>
+    <p:extLst>
+      <p:ext uri="{BB962C8B-B14F-4D97-AF65-F5344CB8AC3E}">
+        <p14:creationId xmlns:p14="http://schemas.microsoft.com/office/powerpoint/2010/main" val="3568701208"/>
+      </p:ext>
+    </p:extLst>
+  </p:cSld>
+  <p:clrMapOvr>
+    <a:masterClrMapping/>
+  </p:clrMapOvr>
+</p:sld>
+</file>
+
+<file path=ppt/slides/slide9.xml><?xml version="1.0" encoding="utf-8"?>
+<p:sld xmlns:a="http://schemas.openxmlformats.org/drawingml/2006/main" xmlns:r="http://schemas.openxmlformats.org/officeDocument/2006/relationships" xmlns:p="http://schemas.openxmlformats.org/presentationml/2006/main">
+  <p:cSld>
+    <p:spTree>
+      <p:nvGrpSpPr>
+        <p:cNvPr id="1" name=""/>
+        <p:cNvGrpSpPr/>
+        <p:nvPr/>
+      </p:nvGrpSpPr>
+      <p:grpSpPr>
+        <a:xfrm>
+          <a:off x="0" y="0"/>
+          <a:ext cx="0" cy="0"/>
+          <a:chOff x="0" y="0"/>
+          <a:chExt cx="0" cy="0"/>
+        </a:xfrm>
+      </p:grpSpPr>
+      <p:pic>
+        <p:nvPicPr>
+          <p:cNvPr id="7" name="图片 6">
+            <a:extLst>
+              <a:ext uri="{FF2B5EF4-FFF2-40B4-BE49-F238E27FC236}">
+                <a16:creationId xmlns:a16="http://schemas.microsoft.com/office/drawing/2014/main" id="{8C64EDE4-0820-6349-A37E-EEA13435D1A8}"/>
+              </a:ext>
+            </a:extLst>
+          </p:cNvPr>
+          <p:cNvPicPr>
+            <a:picLocks noChangeAspect="1"/>
+          </p:cNvPicPr>
+          <p:nvPr/>
+        </p:nvPicPr>
+        <p:blipFill>
+          <a:blip r:embed="rId2">
+            <a:extLst>
+              <a:ext uri="{28A0092B-C50C-407E-A947-70E740481C1C}">
+                <a14:useLocalDpi xmlns:a14="http://schemas.microsoft.com/office/drawing/2010/main" val="0"/>
+              </a:ext>
+            </a:extLst>
+          </a:blip>
+          <a:stretch>
+            <a:fillRect/>
+          </a:stretch>
+        </p:blipFill>
+        <p:spPr>
+          <a:xfrm>
+            <a:off x="0" y="473436"/>
+            <a:ext cx="5040313" cy="2653577"/>
+          </a:xfrm>
+          <a:prstGeom prst="rect">
+            <a:avLst/>
+          </a:prstGeom>
+        </p:spPr>
+      </p:pic>
+    </p:spTree>
+    <p:extLst>
+      <p:ext uri="{BB962C8B-B14F-4D97-AF65-F5344CB8AC3E}">
+        <p14:creationId xmlns:p14="http://schemas.microsoft.com/office/powerpoint/2010/main" val="2269695847"/>
       </p:ext>
     </p:extLst>
   </p:cSld>
